--- a/reports/figures/main-figures/figures_plan.pptx
+++ b/reports/figures/main-figures/figures_plan.pptx
@@ -106,6 +106,11 @@
       </a:defRPr>
     </a:lvl9pPr>
   </p:defaultTextStyle>
+  <p:extLst>
+    <p:ext uri="{EFAFB233-063F-42B5-8137-9DF3F51BA10A}">
+      <p15:sldGuideLst xmlns:p15="http://schemas.microsoft.com/office/powerpoint/2012/main"/>
+    </p:ext>
+  </p:extLst>
 </p:presentation>
 </file>
 
@@ -258,7 +263,7 @@
           <a:p>
             <a:fld id="{D72098BF-D422-47E3-BD1C-930BA66DF432}" type="datetimeFigureOut">
               <a:rPr lang="en-GB" smtClean="0"/>
-              <a:t>11/02/2024</a:t>
+              <a:t>21/02/2024</a:t>
             </a:fld>
             <a:endParaRPr lang="en-GB"/>
           </a:p>
@@ -458,7 +463,7 @@
           <a:p>
             <a:fld id="{D72098BF-D422-47E3-BD1C-930BA66DF432}" type="datetimeFigureOut">
               <a:rPr lang="en-GB" smtClean="0"/>
-              <a:t>11/02/2024</a:t>
+              <a:t>21/02/2024</a:t>
             </a:fld>
             <a:endParaRPr lang="en-GB"/>
           </a:p>
@@ -668,7 +673,7 @@
           <a:p>
             <a:fld id="{D72098BF-D422-47E3-BD1C-930BA66DF432}" type="datetimeFigureOut">
               <a:rPr lang="en-GB" smtClean="0"/>
-              <a:t>11/02/2024</a:t>
+              <a:t>21/02/2024</a:t>
             </a:fld>
             <a:endParaRPr lang="en-GB"/>
           </a:p>
@@ -868,7 +873,7 @@
           <a:p>
             <a:fld id="{D72098BF-D422-47E3-BD1C-930BA66DF432}" type="datetimeFigureOut">
               <a:rPr lang="en-GB" smtClean="0"/>
-              <a:t>11/02/2024</a:t>
+              <a:t>21/02/2024</a:t>
             </a:fld>
             <a:endParaRPr lang="en-GB"/>
           </a:p>
@@ -1144,7 +1149,7 @@
           <a:p>
             <a:fld id="{D72098BF-D422-47E3-BD1C-930BA66DF432}" type="datetimeFigureOut">
               <a:rPr lang="en-GB" smtClean="0"/>
-              <a:t>11/02/2024</a:t>
+              <a:t>21/02/2024</a:t>
             </a:fld>
             <a:endParaRPr lang="en-GB"/>
           </a:p>
@@ -1412,7 +1417,7 @@
           <a:p>
             <a:fld id="{D72098BF-D422-47E3-BD1C-930BA66DF432}" type="datetimeFigureOut">
               <a:rPr lang="en-GB" smtClean="0"/>
-              <a:t>11/02/2024</a:t>
+              <a:t>21/02/2024</a:t>
             </a:fld>
             <a:endParaRPr lang="en-GB"/>
           </a:p>
@@ -1827,7 +1832,7 @@
           <a:p>
             <a:fld id="{D72098BF-D422-47E3-BD1C-930BA66DF432}" type="datetimeFigureOut">
               <a:rPr lang="en-GB" smtClean="0"/>
-              <a:t>11/02/2024</a:t>
+              <a:t>21/02/2024</a:t>
             </a:fld>
             <a:endParaRPr lang="en-GB"/>
           </a:p>
@@ -1969,7 +1974,7 @@
           <a:p>
             <a:fld id="{D72098BF-D422-47E3-BD1C-930BA66DF432}" type="datetimeFigureOut">
               <a:rPr lang="en-GB" smtClean="0"/>
-              <a:t>11/02/2024</a:t>
+              <a:t>21/02/2024</a:t>
             </a:fld>
             <a:endParaRPr lang="en-GB"/>
           </a:p>
@@ -2082,7 +2087,7 @@
           <a:p>
             <a:fld id="{D72098BF-D422-47E3-BD1C-930BA66DF432}" type="datetimeFigureOut">
               <a:rPr lang="en-GB" smtClean="0"/>
-              <a:t>11/02/2024</a:t>
+              <a:t>21/02/2024</a:t>
             </a:fld>
             <a:endParaRPr lang="en-GB"/>
           </a:p>
@@ -2395,7 +2400,7 @@
           <a:p>
             <a:fld id="{D72098BF-D422-47E3-BD1C-930BA66DF432}" type="datetimeFigureOut">
               <a:rPr lang="en-GB" smtClean="0"/>
-              <a:t>11/02/2024</a:t>
+              <a:t>21/02/2024</a:t>
             </a:fld>
             <a:endParaRPr lang="en-GB"/>
           </a:p>
@@ -2684,7 +2689,7 @@
           <a:p>
             <a:fld id="{D72098BF-D422-47E3-BD1C-930BA66DF432}" type="datetimeFigureOut">
               <a:rPr lang="en-GB" smtClean="0"/>
-              <a:t>11/02/2024</a:t>
+              <a:t>21/02/2024</a:t>
             </a:fld>
             <a:endParaRPr lang="en-GB"/>
           </a:p>
@@ -2927,7 +2932,7 @@
           <a:p>
             <a:fld id="{D72098BF-D422-47E3-BD1C-930BA66DF432}" type="datetimeFigureOut">
               <a:rPr lang="en-GB" smtClean="0"/>
-              <a:t>11/02/2024</a:t>
+              <a:t>21/02/2024</a:t>
             </a:fld>
             <a:endParaRPr lang="en-GB"/>
           </a:p>

--- a/reports/figures/main-figures/figures_plan.pptx
+++ b/reports/figures/main-figures/figures_plan.pptx
@@ -263,7 +263,7 @@
           <a:p>
             <a:fld id="{D72098BF-D422-47E3-BD1C-930BA66DF432}" type="datetimeFigureOut">
               <a:rPr lang="en-GB" smtClean="0"/>
-              <a:t>21/02/2024</a:t>
+              <a:t>24/02/2024</a:t>
             </a:fld>
             <a:endParaRPr lang="en-GB"/>
           </a:p>
@@ -463,7 +463,7 @@
           <a:p>
             <a:fld id="{D72098BF-D422-47E3-BD1C-930BA66DF432}" type="datetimeFigureOut">
               <a:rPr lang="en-GB" smtClean="0"/>
-              <a:t>21/02/2024</a:t>
+              <a:t>24/02/2024</a:t>
             </a:fld>
             <a:endParaRPr lang="en-GB"/>
           </a:p>
@@ -673,7 +673,7 @@
           <a:p>
             <a:fld id="{D72098BF-D422-47E3-BD1C-930BA66DF432}" type="datetimeFigureOut">
               <a:rPr lang="en-GB" smtClean="0"/>
-              <a:t>21/02/2024</a:t>
+              <a:t>24/02/2024</a:t>
             </a:fld>
             <a:endParaRPr lang="en-GB"/>
           </a:p>
@@ -873,7 +873,7 @@
           <a:p>
             <a:fld id="{D72098BF-D422-47E3-BD1C-930BA66DF432}" type="datetimeFigureOut">
               <a:rPr lang="en-GB" smtClean="0"/>
-              <a:t>21/02/2024</a:t>
+              <a:t>24/02/2024</a:t>
             </a:fld>
             <a:endParaRPr lang="en-GB"/>
           </a:p>
@@ -1149,7 +1149,7 @@
           <a:p>
             <a:fld id="{D72098BF-D422-47E3-BD1C-930BA66DF432}" type="datetimeFigureOut">
               <a:rPr lang="en-GB" smtClean="0"/>
-              <a:t>21/02/2024</a:t>
+              <a:t>24/02/2024</a:t>
             </a:fld>
             <a:endParaRPr lang="en-GB"/>
           </a:p>
@@ -1417,7 +1417,7 @@
           <a:p>
             <a:fld id="{D72098BF-D422-47E3-BD1C-930BA66DF432}" type="datetimeFigureOut">
               <a:rPr lang="en-GB" smtClean="0"/>
-              <a:t>21/02/2024</a:t>
+              <a:t>24/02/2024</a:t>
             </a:fld>
             <a:endParaRPr lang="en-GB"/>
           </a:p>
@@ -1832,7 +1832,7 @@
           <a:p>
             <a:fld id="{D72098BF-D422-47E3-BD1C-930BA66DF432}" type="datetimeFigureOut">
               <a:rPr lang="en-GB" smtClean="0"/>
-              <a:t>21/02/2024</a:t>
+              <a:t>24/02/2024</a:t>
             </a:fld>
             <a:endParaRPr lang="en-GB"/>
           </a:p>
@@ -1974,7 +1974,7 @@
           <a:p>
             <a:fld id="{D72098BF-D422-47E3-BD1C-930BA66DF432}" type="datetimeFigureOut">
               <a:rPr lang="en-GB" smtClean="0"/>
-              <a:t>21/02/2024</a:t>
+              <a:t>24/02/2024</a:t>
             </a:fld>
             <a:endParaRPr lang="en-GB"/>
           </a:p>
@@ -2087,7 +2087,7 @@
           <a:p>
             <a:fld id="{D72098BF-D422-47E3-BD1C-930BA66DF432}" type="datetimeFigureOut">
               <a:rPr lang="en-GB" smtClean="0"/>
-              <a:t>21/02/2024</a:t>
+              <a:t>24/02/2024</a:t>
             </a:fld>
             <a:endParaRPr lang="en-GB"/>
           </a:p>
@@ -2400,7 +2400,7 @@
           <a:p>
             <a:fld id="{D72098BF-D422-47E3-BD1C-930BA66DF432}" type="datetimeFigureOut">
               <a:rPr lang="en-GB" smtClean="0"/>
-              <a:t>21/02/2024</a:t>
+              <a:t>24/02/2024</a:t>
             </a:fld>
             <a:endParaRPr lang="en-GB"/>
           </a:p>
@@ -2689,7 +2689,7 @@
           <a:p>
             <a:fld id="{D72098BF-D422-47E3-BD1C-930BA66DF432}" type="datetimeFigureOut">
               <a:rPr lang="en-GB" smtClean="0"/>
-              <a:t>21/02/2024</a:t>
+              <a:t>24/02/2024</a:t>
             </a:fld>
             <a:endParaRPr lang="en-GB"/>
           </a:p>
@@ -2932,7 +2932,7 @@
           <a:p>
             <a:fld id="{D72098BF-D422-47E3-BD1C-930BA66DF432}" type="datetimeFigureOut">
               <a:rPr lang="en-GB" smtClean="0"/>
-              <a:t>21/02/2024</a:t>
+              <a:t>24/02/2024</a:t>
             </a:fld>
             <a:endParaRPr lang="en-GB"/>
           </a:p>
@@ -3439,12 +3439,48 @@
           <a:chExt cx="0" cy="0"/>
         </a:xfrm>
       </p:grpSpPr>
+      <p:sp>
+        <p:nvSpPr>
+          <p:cNvPr id="8" name="TextBox 7">
+            <a:extLst>
+              <a:ext uri="{FF2B5EF4-FFF2-40B4-BE49-F238E27FC236}">
+                <a16:creationId xmlns:a16="http://schemas.microsoft.com/office/drawing/2014/main" id="{D1C76C26-884F-36C0-0794-F2B4A677FAF8}"/>
+              </a:ext>
+            </a:extLst>
+          </p:cNvPr>
+          <p:cNvSpPr txBox="1"/>
+          <p:nvPr/>
+        </p:nvSpPr>
+        <p:spPr>
+          <a:xfrm>
+            <a:off x="432352" y="78209"/>
+            <a:ext cx="4507396" cy="367748"/>
+          </a:xfrm>
+          <a:prstGeom prst="rect">
+            <a:avLst/>
+          </a:prstGeom>
+          <a:noFill/>
+        </p:spPr>
+        <p:txBody>
+          <a:bodyPr wrap="square" rtlCol="0">
+            <a:spAutoFit/>
+          </a:bodyPr>
+          <a:lstStyle/>
+          <a:p>
+            <a:r>
+              <a:rPr lang="en-US" dirty="0"/>
+              <a:t>Services by topic and department</a:t>
+            </a:r>
+            <a:endParaRPr lang="en-GB" dirty="0"/>
+          </a:p>
+        </p:txBody>
+      </p:sp>
       <p:pic>
         <p:nvPicPr>
-          <p:cNvPr id="5" name="Picture 4">
-            <a:extLst>
-              <a:ext uri="{FF2B5EF4-FFF2-40B4-BE49-F238E27FC236}">
-                <a16:creationId xmlns:a16="http://schemas.microsoft.com/office/drawing/2014/main" id="{C2068DB1-11E9-63B9-CE74-259CDEF3926B}"/>
+          <p:cNvPr id="10" name="Picture 9">
+            <a:extLst>
+              <a:ext uri="{FF2B5EF4-FFF2-40B4-BE49-F238E27FC236}">
+                <a16:creationId xmlns:a16="http://schemas.microsoft.com/office/drawing/2014/main" id="{7226DA66-8F4D-6942-22D3-74524A2A686C}"/>
               </a:ext>
             </a:extLst>
           </p:cNvPr>
@@ -3461,20 +3497,56 @@
         </p:blipFill>
         <p:spPr>
           <a:xfrm>
-            <a:off x="833250" y="445957"/>
-            <a:ext cx="3848926" cy="2983043"/>
+            <a:off x="8499222" y="428066"/>
+            <a:ext cx="3692778" cy="2945371"/>
           </a:xfrm>
           <a:prstGeom prst="rect">
             <a:avLst/>
           </a:prstGeom>
         </p:spPr>
       </p:pic>
+      <p:sp>
+        <p:nvSpPr>
+          <p:cNvPr id="11" name="TextBox 10">
+            <a:extLst>
+              <a:ext uri="{FF2B5EF4-FFF2-40B4-BE49-F238E27FC236}">
+                <a16:creationId xmlns:a16="http://schemas.microsoft.com/office/drawing/2014/main" id="{A443F3B6-2A29-AD67-9744-0C8F7A66F1C1}"/>
+              </a:ext>
+            </a:extLst>
+          </p:cNvPr>
+          <p:cNvSpPr txBox="1"/>
+          <p:nvPr/>
+        </p:nvSpPr>
+        <p:spPr>
+          <a:xfrm>
+            <a:off x="8064646" y="86484"/>
+            <a:ext cx="4507396" cy="367748"/>
+          </a:xfrm>
+          <a:prstGeom prst="rect">
+            <a:avLst/>
+          </a:prstGeom>
+          <a:noFill/>
+        </p:spPr>
+        <p:txBody>
+          <a:bodyPr wrap="square" rtlCol="0">
+            <a:spAutoFit/>
+          </a:bodyPr>
+          <a:lstStyle/>
+          <a:p>
+            <a:r>
+              <a:rPr lang="en-US" dirty="0"/>
+              <a:t>Service volumes by topic and department</a:t>
+            </a:r>
+            <a:endParaRPr lang="en-GB" dirty="0"/>
+          </a:p>
+        </p:txBody>
+      </p:sp>
       <p:pic>
         <p:nvPicPr>
-          <p:cNvPr id="7" name="Picture 6">
-            <a:extLst>
-              <a:ext uri="{FF2B5EF4-FFF2-40B4-BE49-F238E27FC236}">
-                <a16:creationId xmlns:a16="http://schemas.microsoft.com/office/drawing/2014/main" id="{F0311EFA-6138-2026-6382-FDCFD5385482}"/>
+          <p:cNvPr id="13" name="Picture 12">
+            <a:extLst>
+              <a:ext uri="{FF2B5EF4-FFF2-40B4-BE49-F238E27FC236}">
+                <a16:creationId xmlns:a16="http://schemas.microsoft.com/office/drawing/2014/main" id="{6A45C075-0908-3716-7107-49343299DE4C}"/>
               </a:ext>
             </a:extLst>
           </p:cNvPr>
@@ -3491,139 +3563,7 @@
         </p:blipFill>
         <p:spPr>
           <a:xfrm>
-            <a:off x="247461" y="3515614"/>
-            <a:ext cx="4300537" cy="3342386"/>
-          </a:xfrm>
-          <a:prstGeom prst="rect">
-            <a:avLst/>
-          </a:prstGeom>
-        </p:spPr>
-      </p:pic>
-      <p:sp>
-        <p:nvSpPr>
-          <p:cNvPr id="8" name="TextBox 7">
-            <a:extLst>
-              <a:ext uri="{FF2B5EF4-FFF2-40B4-BE49-F238E27FC236}">
-                <a16:creationId xmlns:a16="http://schemas.microsoft.com/office/drawing/2014/main" id="{D1C76C26-884F-36C0-0794-F2B4A677FAF8}"/>
-              </a:ext>
-            </a:extLst>
-          </p:cNvPr>
-          <p:cNvSpPr txBox="1"/>
-          <p:nvPr/>
-        </p:nvSpPr>
-        <p:spPr>
-          <a:xfrm>
-            <a:off x="432352" y="78209"/>
-            <a:ext cx="4507396" cy="367748"/>
-          </a:xfrm>
-          <a:prstGeom prst="rect">
-            <a:avLst/>
-          </a:prstGeom>
-          <a:noFill/>
-        </p:spPr>
-        <p:txBody>
-          <a:bodyPr wrap="square" rtlCol="0">
-            <a:spAutoFit/>
-          </a:bodyPr>
-          <a:lstStyle/>
-          <a:p>
-            <a:r>
-              <a:rPr lang="en-US" dirty="0"/>
-              <a:t>Services by topic and department</a:t>
-            </a:r>
-            <a:endParaRPr lang="en-GB" dirty="0"/>
-          </a:p>
-        </p:txBody>
-      </p:sp>
-      <p:pic>
-        <p:nvPicPr>
-          <p:cNvPr id="10" name="Picture 9">
-            <a:extLst>
-              <a:ext uri="{FF2B5EF4-FFF2-40B4-BE49-F238E27FC236}">
-                <a16:creationId xmlns:a16="http://schemas.microsoft.com/office/drawing/2014/main" id="{7226DA66-8F4D-6942-22D3-74524A2A686C}"/>
-              </a:ext>
-            </a:extLst>
-          </p:cNvPr>
-          <p:cNvPicPr>
-            <a:picLocks noChangeAspect="1"/>
-          </p:cNvPicPr>
-          <p:nvPr/>
-        </p:nvPicPr>
-        <p:blipFill>
-          <a:blip r:embed="rId4"/>
-          <a:stretch>
-            <a:fillRect/>
-          </a:stretch>
-        </p:blipFill>
-        <p:spPr>
-          <a:xfrm>
-            <a:off x="8337843" y="464792"/>
-            <a:ext cx="3692778" cy="2945371"/>
-          </a:xfrm>
-          <a:prstGeom prst="rect">
-            <a:avLst/>
-          </a:prstGeom>
-        </p:spPr>
-      </p:pic>
-      <p:sp>
-        <p:nvSpPr>
-          <p:cNvPr id="11" name="TextBox 10">
-            <a:extLst>
-              <a:ext uri="{FF2B5EF4-FFF2-40B4-BE49-F238E27FC236}">
-                <a16:creationId xmlns:a16="http://schemas.microsoft.com/office/drawing/2014/main" id="{A443F3B6-2A29-AD67-9744-0C8F7A66F1C1}"/>
-              </a:ext>
-            </a:extLst>
-          </p:cNvPr>
-          <p:cNvSpPr txBox="1"/>
-          <p:nvPr/>
-        </p:nvSpPr>
-        <p:spPr>
-          <a:xfrm>
-            <a:off x="8064646" y="86484"/>
-            <a:ext cx="4507396" cy="367748"/>
-          </a:xfrm>
-          <a:prstGeom prst="rect">
-            <a:avLst/>
-          </a:prstGeom>
-          <a:noFill/>
-        </p:spPr>
-        <p:txBody>
-          <a:bodyPr wrap="square" rtlCol="0">
-            <a:spAutoFit/>
-          </a:bodyPr>
-          <a:lstStyle/>
-          <a:p>
-            <a:r>
-              <a:rPr lang="en-US" dirty="0"/>
-              <a:t>Service volumes by topic and department</a:t>
-            </a:r>
-            <a:endParaRPr lang="en-GB" dirty="0"/>
-          </a:p>
-        </p:txBody>
-      </p:sp>
-      <p:pic>
-        <p:nvPicPr>
-          <p:cNvPr id="13" name="Picture 12">
-            <a:extLst>
-              <a:ext uri="{FF2B5EF4-FFF2-40B4-BE49-F238E27FC236}">
-                <a16:creationId xmlns:a16="http://schemas.microsoft.com/office/drawing/2014/main" id="{6A45C075-0908-3716-7107-49343299DE4C}"/>
-              </a:ext>
-            </a:extLst>
-          </p:cNvPr>
-          <p:cNvPicPr>
-            <a:picLocks noChangeAspect="1"/>
-          </p:cNvPicPr>
-          <p:nvPr/>
-        </p:nvPicPr>
-        <p:blipFill>
-          <a:blip r:embed="rId5"/>
-          <a:stretch>
-            <a:fillRect/>
-          </a:stretch>
-        </p:blipFill>
-        <p:spPr>
-          <a:xfrm>
-            <a:off x="7599521" y="3286953"/>
+            <a:off x="7826662" y="3340312"/>
             <a:ext cx="4416887" cy="3484563"/>
           </a:xfrm>
           <a:prstGeom prst="rect">
@@ -3646,7 +3586,7 @@
           <p:nvPr/>
         </p:nvPicPr>
         <p:blipFill>
-          <a:blip r:embed="rId6"/>
+          <a:blip r:embed="rId4"/>
           <a:stretch>
             <a:fillRect/>
           </a:stretch>
@@ -3676,15 +3616,15 @@
           <p:nvPr/>
         </p:nvPicPr>
         <p:blipFill>
-          <a:blip r:embed="rId7"/>
+          <a:blip r:embed="rId5"/>
           <a:stretch>
             <a:fillRect/>
           </a:stretch>
         </p:blipFill>
         <p:spPr>
           <a:xfrm>
-            <a:off x="4592480" y="3515614"/>
-            <a:ext cx="3234182" cy="2579645"/>
+            <a:off x="742024" y="2352006"/>
+            <a:ext cx="5099975" cy="4067837"/>
           </a:xfrm>
           <a:prstGeom prst="rect">
             <a:avLst/>
@@ -3741,8 +3681,8 @@
         </p:nvSpPr>
         <p:spPr>
           <a:xfrm>
-            <a:off x="5036236" y="4759429"/>
-            <a:ext cx="4507396" cy="646331"/>
+            <a:off x="1185781" y="3641829"/>
+            <a:ext cx="7107704" cy="646331"/>
           </a:xfrm>
           <a:prstGeom prst="rect">
             <a:avLst/>

--- a/reports/figures/main-figures/figures_plan.pptx
+++ b/reports/figures/main-figures/figures_plan.pptx
@@ -8,6 +8,8 @@
     <p:sldId id="258" r:id="rId2"/>
     <p:sldId id="257" r:id="rId3"/>
     <p:sldId id="259" r:id="rId4"/>
+    <p:sldId id="262" r:id="rId5"/>
+    <p:sldId id="261" r:id="rId6"/>
   </p:sldIdLst>
   <p:sldSz cx="12192000" cy="6858000"/>
   <p:notesSz cx="6858000" cy="9144000"/>
@@ -263,7 +265,7 @@
           <a:p>
             <a:fld id="{D72098BF-D422-47E3-BD1C-930BA66DF432}" type="datetimeFigureOut">
               <a:rPr lang="en-GB" smtClean="0"/>
-              <a:t>24/02/2024</a:t>
+              <a:t>26/02/2024</a:t>
             </a:fld>
             <a:endParaRPr lang="en-GB"/>
           </a:p>
@@ -463,7 +465,7 @@
           <a:p>
             <a:fld id="{D72098BF-D422-47E3-BD1C-930BA66DF432}" type="datetimeFigureOut">
               <a:rPr lang="en-GB" smtClean="0"/>
-              <a:t>24/02/2024</a:t>
+              <a:t>26/02/2024</a:t>
             </a:fld>
             <a:endParaRPr lang="en-GB"/>
           </a:p>
@@ -673,7 +675,7 @@
           <a:p>
             <a:fld id="{D72098BF-D422-47E3-BD1C-930BA66DF432}" type="datetimeFigureOut">
               <a:rPr lang="en-GB" smtClean="0"/>
-              <a:t>24/02/2024</a:t>
+              <a:t>26/02/2024</a:t>
             </a:fld>
             <a:endParaRPr lang="en-GB"/>
           </a:p>
@@ -873,7 +875,7 @@
           <a:p>
             <a:fld id="{D72098BF-D422-47E3-BD1C-930BA66DF432}" type="datetimeFigureOut">
               <a:rPr lang="en-GB" smtClean="0"/>
-              <a:t>24/02/2024</a:t>
+              <a:t>26/02/2024</a:t>
             </a:fld>
             <a:endParaRPr lang="en-GB"/>
           </a:p>
@@ -1149,7 +1151,7 @@
           <a:p>
             <a:fld id="{D72098BF-D422-47E3-BD1C-930BA66DF432}" type="datetimeFigureOut">
               <a:rPr lang="en-GB" smtClean="0"/>
-              <a:t>24/02/2024</a:t>
+              <a:t>26/02/2024</a:t>
             </a:fld>
             <a:endParaRPr lang="en-GB"/>
           </a:p>
@@ -1417,7 +1419,7 @@
           <a:p>
             <a:fld id="{D72098BF-D422-47E3-BD1C-930BA66DF432}" type="datetimeFigureOut">
               <a:rPr lang="en-GB" smtClean="0"/>
-              <a:t>24/02/2024</a:t>
+              <a:t>26/02/2024</a:t>
             </a:fld>
             <a:endParaRPr lang="en-GB"/>
           </a:p>
@@ -1832,7 +1834,7 @@
           <a:p>
             <a:fld id="{D72098BF-D422-47E3-BD1C-930BA66DF432}" type="datetimeFigureOut">
               <a:rPr lang="en-GB" smtClean="0"/>
-              <a:t>24/02/2024</a:t>
+              <a:t>26/02/2024</a:t>
             </a:fld>
             <a:endParaRPr lang="en-GB"/>
           </a:p>
@@ -1974,7 +1976,7 @@
           <a:p>
             <a:fld id="{D72098BF-D422-47E3-BD1C-930BA66DF432}" type="datetimeFigureOut">
               <a:rPr lang="en-GB" smtClean="0"/>
-              <a:t>24/02/2024</a:t>
+              <a:t>26/02/2024</a:t>
             </a:fld>
             <a:endParaRPr lang="en-GB"/>
           </a:p>
@@ -2087,7 +2089,7 @@
           <a:p>
             <a:fld id="{D72098BF-D422-47E3-BD1C-930BA66DF432}" type="datetimeFigureOut">
               <a:rPr lang="en-GB" smtClean="0"/>
-              <a:t>24/02/2024</a:t>
+              <a:t>26/02/2024</a:t>
             </a:fld>
             <a:endParaRPr lang="en-GB"/>
           </a:p>
@@ -2400,7 +2402,7 @@
           <a:p>
             <a:fld id="{D72098BF-D422-47E3-BD1C-930BA66DF432}" type="datetimeFigureOut">
               <a:rPr lang="en-GB" smtClean="0"/>
-              <a:t>24/02/2024</a:t>
+              <a:t>26/02/2024</a:t>
             </a:fld>
             <a:endParaRPr lang="en-GB"/>
           </a:p>
@@ -2689,7 +2691,7 @@
           <a:p>
             <a:fld id="{D72098BF-D422-47E3-BD1C-930BA66DF432}" type="datetimeFigureOut">
               <a:rPr lang="en-GB" smtClean="0"/>
-              <a:t>24/02/2024</a:t>
+              <a:t>26/02/2024</a:t>
             </a:fld>
             <a:endParaRPr lang="en-GB"/>
           </a:p>
@@ -2932,7 +2934,7 @@
           <a:p>
             <a:fld id="{D72098BF-D422-47E3-BD1C-930BA66DF432}" type="datetimeFigureOut">
               <a:rPr lang="en-GB" smtClean="0"/>
-              <a:t>24/02/2024</a:t>
+              <a:t>26/02/2024</a:t>
             </a:fld>
             <a:endParaRPr lang="en-GB"/>
           </a:p>
@@ -3810,22 +3812,258 @@
           </a:p>
         </p:txBody>
       </p:sp>
-      <p:sp>
-        <p:nvSpPr>
-          <p:cNvPr id="7" name="TextBox 6">
-            <a:extLst>
-              <a:ext uri="{FF2B5EF4-FFF2-40B4-BE49-F238E27FC236}">
-                <a16:creationId xmlns:a16="http://schemas.microsoft.com/office/drawing/2014/main" id="{90462C16-8FBB-99C7-40BC-B16A3CA03004}"/>
-              </a:ext>
-            </a:extLst>
-          </p:cNvPr>
+      <p:pic>
+        <p:nvPicPr>
+          <p:cNvPr id="11" name="Picture 10">
+            <a:extLst>
+              <a:ext uri="{FF2B5EF4-FFF2-40B4-BE49-F238E27FC236}">
+                <a16:creationId xmlns:a16="http://schemas.microsoft.com/office/drawing/2014/main" id="{5AA08DE1-D21E-473B-2B81-AC1BB775A946}"/>
+              </a:ext>
+            </a:extLst>
+          </p:cNvPr>
+          <p:cNvPicPr>
+            <a:picLocks noChangeAspect="1"/>
+          </p:cNvPicPr>
+          <p:nvPr/>
+        </p:nvPicPr>
+        <p:blipFill>
+          <a:blip r:embed="rId2"/>
+          <a:stretch>
+            <a:fillRect/>
+          </a:stretch>
+        </p:blipFill>
+        <p:spPr>
+          <a:xfrm>
+            <a:off x="253499" y="3677502"/>
+            <a:ext cx="6025028" cy="3180498"/>
+          </a:xfrm>
+          <a:prstGeom prst="rect">
+            <a:avLst/>
+          </a:prstGeom>
+        </p:spPr>
+      </p:pic>
+      <p:sp>
+        <p:nvSpPr>
+          <p:cNvPr id="2" name="Rectangle 1"/>
+          <p:cNvSpPr/>
+          <p:nvPr/>
+        </p:nvSpPr>
+        <p:spPr>
+          <a:xfrm>
+            <a:off x="1874520" y="2148840"/>
+            <a:ext cx="1600200" cy="1211580"/>
+          </a:xfrm>
+          <a:prstGeom prst="rect">
+            <a:avLst/>
+          </a:prstGeom>
+        </p:spPr>
+        <p:style>
+          <a:lnRef idx="2">
+            <a:schemeClr val="accent1">
+              <a:shade val="50000"/>
+            </a:schemeClr>
+          </a:lnRef>
+          <a:fillRef idx="1">
+            <a:schemeClr val="accent1"/>
+          </a:fillRef>
+          <a:effectRef idx="0">
+            <a:schemeClr val="accent1"/>
+          </a:effectRef>
+          <a:fontRef idx="minor">
+            <a:schemeClr val="lt1"/>
+          </a:fontRef>
+        </p:style>
+        <p:txBody>
+          <a:bodyPr rtlCol="0" anchor="ctr"/>
+          <a:lstStyle/>
+          <a:p>
+            <a:pPr algn="ctr"/>
+            <a:endParaRPr lang="en-GB"/>
+          </a:p>
+        </p:txBody>
+      </p:sp>
+      <p:sp>
+        <p:nvSpPr>
+          <p:cNvPr id="15" name="Rectangle 14"/>
+          <p:cNvSpPr/>
+          <p:nvPr/>
+        </p:nvSpPr>
+        <p:spPr>
+          <a:xfrm>
+            <a:off x="1803400" y="5450840"/>
+            <a:ext cx="1600200" cy="1211580"/>
+          </a:xfrm>
+          <a:prstGeom prst="rect">
+            <a:avLst/>
+          </a:prstGeom>
+        </p:spPr>
+        <p:style>
+          <a:lnRef idx="2">
+            <a:schemeClr val="accent1">
+              <a:shade val="50000"/>
+            </a:schemeClr>
+          </a:lnRef>
+          <a:fillRef idx="1">
+            <a:schemeClr val="accent1"/>
+          </a:fillRef>
+          <a:effectRef idx="0">
+            <a:schemeClr val="accent1"/>
+          </a:effectRef>
+          <a:fontRef idx="minor">
+            <a:schemeClr val="lt1"/>
+          </a:fontRef>
+        </p:style>
+        <p:txBody>
+          <a:bodyPr rtlCol="0" anchor="ctr"/>
+          <a:lstStyle/>
+          <a:p>
+            <a:pPr algn="ctr"/>
+            <a:endParaRPr lang="en-GB"/>
+          </a:p>
+        </p:txBody>
+      </p:sp>
+    </p:spTree>
+    <p:extLst>
+      <p:ext uri="{BB962C8B-B14F-4D97-AF65-F5344CB8AC3E}">
+        <p14:creationId xmlns:p14="http://schemas.microsoft.com/office/powerpoint/2010/main" val="1319093473"/>
+      </p:ext>
+    </p:extLst>
+  </p:cSld>
+  <p:clrMapOvr>
+    <a:masterClrMapping/>
+  </p:clrMapOvr>
+</p:sld>
+</file>
+
+<file path=ppt/slides/slide4.xml><?xml version="1.0" encoding="utf-8"?>
+<p:sld xmlns:a="http://schemas.openxmlformats.org/drawingml/2006/main" xmlns:r="http://schemas.openxmlformats.org/officeDocument/2006/relationships" xmlns:p="http://schemas.openxmlformats.org/presentationml/2006/main">
+  <p:cSld>
+    <p:spTree>
+      <p:nvGrpSpPr>
+        <p:cNvPr id="1" name=""/>
+        <p:cNvGrpSpPr/>
+        <p:nvPr/>
+      </p:nvGrpSpPr>
+      <p:grpSpPr>
+        <a:xfrm>
+          <a:off x="0" y="0"/>
+          <a:ext cx="0" cy="0"/>
+          <a:chOff x="0" y="0"/>
+          <a:chExt cx="0" cy="0"/>
+        </a:xfrm>
+      </p:grpSpPr>
+      <p:sp>
+        <p:nvSpPr>
+          <p:cNvPr id="56" name="Rectangle 55"/>
+          <p:cNvSpPr/>
+          <p:nvPr/>
+        </p:nvSpPr>
+        <p:spPr>
+          <a:xfrm flipV="1">
+            <a:off x="4143131" y="2814343"/>
+            <a:ext cx="2114744" cy="219162"/>
+          </a:xfrm>
+          <a:prstGeom prst="rect">
+            <a:avLst/>
+          </a:prstGeom>
+          <a:solidFill>
+            <a:schemeClr val="bg1">
+              <a:lumMod val="75000"/>
+            </a:schemeClr>
+          </a:solidFill>
+          <a:ln w="9525">
+            <a:solidFill>
+              <a:schemeClr val="bg1">
+                <a:lumMod val="65000"/>
+              </a:schemeClr>
+            </a:solidFill>
+          </a:ln>
+        </p:spPr>
+        <p:style>
+          <a:lnRef idx="2">
+            <a:schemeClr val="accent1">
+              <a:shade val="50000"/>
+            </a:schemeClr>
+          </a:lnRef>
+          <a:fillRef idx="1">
+            <a:schemeClr val="accent1"/>
+          </a:fillRef>
+          <a:effectRef idx="0">
+            <a:schemeClr val="accent1"/>
+          </a:effectRef>
+          <a:fontRef idx="minor">
+            <a:schemeClr val="lt1"/>
+          </a:fontRef>
+        </p:style>
+        <p:txBody>
+          <a:bodyPr rtlCol="0" anchor="ctr"/>
+          <a:lstStyle/>
+          <a:p>
+            <a:pPr algn="ctr"/>
+            <a:endParaRPr lang="en-GB" sz="957"/>
+          </a:p>
+        </p:txBody>
+      </p:sp>
+      <p:sp>
+        <p:nvSpPr>
+          <p:cNvPr id="57" name="Rectangle 56"/>
+          <p:cNvSpPr/>
+          <p:nvPr/>
+        </p:nvSpPr>
+        <p:spPr>
+          <a:xfrm>
+            <a:off x="4143131" y="3033509"/>
+            <a:ext cx="2114744" cy="1315845"/>
+          </a:xfrm>
+          <a:prstGeom prst="rect">
+            <a:avLst/>
+          </a:prstGeom>
+          <a:solidFill>
+            <a:srgbClr val="EFEFEF"/>
+          </a:solidFill>
+          <a:ln w="9525">
+            <a:solidFill>
+              <a:schemeClr val="bg1">
+                <a:lumMod val="65000"/>
+              </a:schemeClr>
+            </a:solidFill>
+          </a:ln>
+        </p:spPr>
+        <p:style>
+          <a:lnRef idx="2">
+            <a:schemeClr val="accent1">
+              <a:shade val="50000"/>
+            </a:schemeClr>
+          </a:lnRef>
+          <a:fillRef idx="1">
+            <a:schemeClr val="accent1"/>
+          </a:fillRef>
+          <a:effectRef idx="0">
+            <a:schemeClr val="accent1"/>
+          </a:effectRef>
+          <a:fontRef idx="minor">
+            <a:schemeClr val="lt1"/>
+          </a:fontRef>
+        </p:style>
+        <p:txBody>
+          <a:bodyPr rtlCol="0" anchor="ctr"/>
+          <a:lstStyle/>
+          <a:p>
+            <a:pPr algn="ctr"/>
+            <a:endParaRPr lang="en-GB" sz="957" dirty="0"/>
+          </a:p>
+        </p:txBody>
+      </p:sp>
+      <p:sp>
+        <p:nvSpPr>
+          <p:cNvPr id="58" name="TextBox 57"/>
           <p:cNvSpPr txBox="1"/>
           <p:nvPr/>
         </p:nvSpPr>
         <p:spPr>
           <a:xfrm>
-            <a:off x="306573" y="3738508"/>
-            <a:ext cx="5667153" cy="923330"/>
+            <a:off x="4752144" y="2802389"/>
+            <a:ext cx="415498" cy="231474"/>
           </a:xfrm>
           <a:prstGeom prst="rect">
             <a:avLst/>
@@ -3833,6 +4071,2436 @@
           <a:noFill/>
         </p:spPr>
         <p:txBody>
+          <a:bodyPr wrap="none" rtlCol="0">
+            <a:spAutoFit/>
+          </a:bodyPr>
+          <a:lstStyle/>
+          <a:p>
+            <a:r>
+              <a:rPr lang="en-GB" sz="452" b="1" dirty="0">
+                <a:solidFill>
+                  <a:schemeClr val="tx1">
+                    <a:lumMod val="85000"/>
+                    <a:lumOff val="15000"/>
+                  </a:schemeClr>
+                </a:solidFill>
+                <a:latin typeface="Helvetica" panose="020B0604020202020204" pitchFamily="34" charset="0"/>
+                <a:cs typeface="Helvetica" panose="020B0604020202020204" pitchFamily="34" charset="0"/>
+              </a:rPr>
+              <a:t># of </a:t>
+            </a:r>
+          </a:p>
+          <a:p>
+            <a:r>
+              <a:rPr lang="en-GB" sz="452" b="1" dirty="0">
+                <a:solidFill>
+                  <a:schemeClr val="tx1">
+                    <a:lumMod val="85000"/>
+                    <a:lumOff val="15000"/>
+                  </a:schemeClr>
+                </a:solidFill>
+                <a:latin typeface="Helvetica" panose="020B0604020202020204" pitchFamily="34" charset="0"/>
+                <a:cs typeface="Helvetica" panose="020B0604020202020204" pitchFamily="34" charset="0"/>
+              </a:rPr>
+              <a:t>services</a:t>
+            </a:r>
+          </a:p>
+        </p:txBody>
+      </p:sp>
+      <p:sp>
+        <p:nvSpPr>
+          <p:cNvPr id="59" name="TextBox 58"/>
+          <p:cNvSpPr txBox="1"/>
+          <p:nvPr/>
+        </p:nvSpPr>
+        <p:spPr>
+          <a:xfrm>
+            <a:off x="5062835" y="2802389"/>
+            <a:ext cx="415498" cy="231474"/>
+          </a:xfrm>
+          <a:prstGeom prst="rect">
+            <a:avLst/>
+          </a:prstGeom>
+          <a:noFill/>
+        </p:spPr>
+        <p:txBody>
+          <a:bodyPr wrap="none" rtlCol="0">
+            <a:spAutoFit/>
+          </a:bodyPr>
+          <a:lstStyle/>
+          <a:p>
+            <a:r>
+              <a:rPr lang="en-GB" sz="452" b="1" dirty="0">
+                <a:solidFill>
+                  <a:schemeClr val="tx1">
+                    <a:lumMod val="85000"/>
+                    <a:lumOff val="15000"/>
+                  </a:schemeClr>
+                </a:solidFill>
+                <a:latin typeface="Helvetica" panose="020B0604020202020204" pitchFamily="34" charset="0"/>
+                <a:cs typeface="Helvetica" panose="020B0604020202020204" pitchFamily="34" charset="0"/>
+              </a:rPr>
+              <a:t>% of </a:t>
+            </a:r>
+          </a:p>
+          <a:p>
+            <a:r>
+              <a:rPr lang="en-GB" sz="452" b="1" dirty="0">
+                <a:solidFill>
+                  <a:schemeClr val="tx1">
+                    <a:lumMod val="85000"/>
+                    <a:lumOff val="15000"/>
+                  </a:schemeClr>
+                </a:solidFill>
+                <a:latin typeface="Helvetica" panose="020B0604020202020204" pitchFamily="34" charset="0"/>
+                <a:cs typeface="Helvetica" panose="020B0604020202020204" pitchFamily="34" charset="0"/>
+              </a:rPr>
+              <a:t>services</a:t>
+            </a:r>
+          </a:p>
+        </p:txBody>
+      </p:sp>
+      <p:sp>
+        <p:nvSpPr>
+          <p:cNvPr id="60" name="TextBox 59"/>
+          <p:cNvSpPr txBox="1"/>
+          <p:nvPr/>
+        </p:nvSpPr>
+        <p:spPr>
+          <a:xfrm>
+            <a:off x="5408492" y="2802389"/>
+            <a:ext cx="309700" cy="231474"/>
+          </a:xfrm>
+          <a:prstGeom prst="rect">
+            <a:avLst/>
+          </a:prstGeom>
+          <a:noFill/>
+        </p:spPr>
+        <p:txBody>
+          <a:bodyPr wrap="none" rtlCol="0">
+            <a:spAutoFit/>
+          </a:bodyPr>
+          <a:lstStyle/>
+          <a:p>
+            <a:r>
+              <a:rPr lang="en-GB" sz="452" b="1" dirty="0">
+                <a:solidFill>
+                  <a:schemeClr val="tx1">
+                    <a:lumMod val="85000"/>
+                    <a:lumOff val="15000"/>
+                  </a:schemeClr>
+                </a:solidFill>
+                <a:latin typeface="Helvetica" panose="020B0604020202020204" pitchFamily="34" charset="0"/>
+                <a:cs typeface="Helvetica" panose="020B0604020202020204" pitchFamily="34" charset="0"/>
+              </a:rPr>
+              <a:t># of</a:t>
+            </a:r>
+          </a:p>
+          <a:p>
+            <a:r>
+              <a:rPr lang="en-GB" sz="452" b="1" dirty="0">
+                <a:solidFill>
+                  <a:schemeClr val="tx1">
+                    <a:lumMod val="85000"/>
+                    <a:lumOff val="15000"/>
+                  </a:schemeClr>
+                </a:solidFill>
+                <a:latin typeface="Helvetica" panose="020B0604020202020204" pitchFamily="34" charset="0"/>
+                <a:cs typeface="Helvetica" panose="020B0604020202020204" pitchFamily="34" charset="0"/>
+              </a:rPr>
+              <a:t>orgs</a:t>
+            </a:r>
+          </a:p>
+        </p:txBody>
+      </p:sp>
+      <p:sp>
+        <p:nvSpPr>
+          <p:cNvPr id="61" name="TextBox 60"/>
+          <p:cNvSpPr txBox="1"/>
+          <p:nvPr/>
+        </p:nvSpPr>
+        <p:spPr>
+          <a:xfrm>
+            <a:off x="5660617" y="2802389"/>
+            <a:ext cx="665567" cy="231474"/>
+          </a:xfrm>
+          <a:prstGeom prst="rect">
+            <a:avLst/>
+          </a:prstGeom>
+          <a:noFill/>
+        </p:spPr>
+        <p:txBody>
+          <a:bodyPr wrap="none" rtlCol="0">
+            <a:spAutoFit/>
+          </a:bodyPr>
+          <a:lstStyle/>
+          <a:p>
+            <a:r>
+              <a:rPr lang="en-GB" sz="452" b="1" dirty="0">
+                <a:solidFill>
+                  <a:schemeClr val="tx1">
+                    <a:lumMod val="85000"/>
+                    <a:lumOff val="15000"/>
+                  </a:schemeClr>
+                </a:solidFill>
+                <a:latin typeface="Helvetica" panose="020B0604020202020204" pitchFamily="34" charset="0"/>
+                <a:cs typeface="Helvetica" panose="020B0604020202020204" pitchFamily="34" charset="0"/>
+              </a:rPr>
+              <a:t># service delivery</a:t>
+            </a:r>
+          </a:p>
+          <a:p>
+            <a:r>
+              <a:rPr lang="en-GB" sz="452" b="1" dirty="0">
+                <a:solidFill>
+                  <a:schemeClr val="tx1">
+                    <a:lumMod val="85000"/>
+                    <a:lumOff val="15000"/>
+                  </a:schemeClr>
+                </a:solidFill>
+                <a:latin typeface="Helvetica" panose="020B0604020202020204" pitchFamily="34" charset="0"/>
+                <a:cs typeface="Helvetica" panose="020B0604020202020204" pitchFamily="34" charset="0"/>
+              </a:rPr>
+              <a:t>professionals</a:t>
+            </a:r>
+          </a:p>
+        </p:txBody>
+      </p:sp>
+      <p:sp>
+        <p:nvSpPr>
+          <p:cNvPr id="62" name="TextBox 61"/>
+          <p:cNvSpPr txBox="1"/>
+          <p:nvPr/>
+        </p:nvSpPr>
+        <p:spPr>
+          <a:xfrm>
+            <a:off x="4148298" y="3034923"/>
+            <a:ext cx="349775" cy="1344599"/>
+          </a:xfrm>
+          <a:prstGeom prst="rect">
+            <a:avLst/>
+          </a:prstGeom>
+          <a:noFill/>
+        </p:spPr>
+        <p:txBody>
+          <a:bodyPr wrap="none" rtlCol="0">
+            <a:spAutoFit/>
+          </a:bodyPr>
+          <a:lstStyle/>
+          <a:p>
+            <a:pPr algn="ctr"/>
+            <a:r>
+              <a:rPr lang="en-GB" sz="452" b="1" dirty="0">
+                <a:solidFill>
+                  <a:schemeClr val="tx1">
+                    <a:lumMod val="85000"/>
+                    <a:lumOff val="15000"/>
+                  </a:schemeClr>
+                </a:solidFill>
+                <a:latin typeface="Helvetica" panose="020B0604020202020204" pitchFamily="34" charset="0"/>
+                <a:cs typeface="Helvetica" panose="020B0604020202020204" pitchFamily="34" charset="0"/>
+              </a:rPr>
+              <a:t>0%</a:t>
+            </a:r>
+          </a:p>
+          <a:p>
+            <a:pPr algn="ctr"/>
+            <a:endParaRPr lang="en-GB" sz="452" b="1" dirty="0">
+              <a:solidFill>
+                <a:schemeClr val="tx1">
+                  <a:lumMod val="85000"/>
+                  <a:lumOff val="15000"/>
+                </a:schemeClr>
+              </a:solidFill>
+              <a:latin typeface="Helvetica" panose="020B0604020202020204" pitchFamily="34" charset="0"/>
+              <a:cs typeface="Helvetica" panose="020B0604020202020204" pitchFamily="34" charset="0"/>
+            </a:endParaRPr>
+          </a:p>
+          <a:p>
+            <a:pPr algn="ctr"/>
+            <a:endParaRPr lang="en-GB" sz="452" b="1" dirty="0">
+              <a:solidFill>
+                <a:schemeClr val="tx1">
+                  <a:lumMod val="85000"/>
+                  <a:lumOff val="15000"/>
+                </a:schemeClr>
+              </a:solidFill>
+              <a:latin typeface="Helvetica" panose="020B0604020202020204" pitchFamily="34" charset="0"/>
+              <a:cs typeface="Helvetica" panose="020B0604020202020204" pitchFamily="34" charset="0"/>
+            </a:endParaRPr>
+          </a:p>
+          <a:p>
+            <a:pPr algn="ctr"/>
+            <a:endParaRPr lang="en-GB" sz="452" b="1" dirty="0">
+              <a:solidFill>
+                <a:schemeClr val="tx1">
+                  <a:lumMod val="85000"/>
+                  <a:lumOff val="15000"/>
+                </a:schemeClr>
+              </a:solidFill>
+              <a:latin typeface="Helvetica" panose="020B0604020202020204" pitchFamily="34" charset="0"/>
+              <a:cs typeface="Helvetica" panose="020B0604020202020204" pitchFamily="34" charset="0"/>
+            </a:endParaRPr>
+          </a:p>
+          <a:p>
+            <a:pPr algn="ctr"/>
+            <a:r>
+              <a:rPr lang="en-GB" sz="452" b="1" dirty="0">
+                <a:solidFill>
+                  <a:schemeClr val="tx1">
+                    <a:lumMod val="85000"/>
+                    <a:lumOff val="15000"/>
+                  </a:schemeClr>
+                </a:solidFill>
+                <a:latin typeface="Helvetica" panose="020B0604020202020204" pitchFamily="34" charset="0"/>
+                <a:cs typeface="Helvetica" panose="020B0604020202020204" pitchFamily="34" charset="0"/>
+              </a:rPr>
+              <a:t>&lt; 50%</a:t>
+            </a:r>
+          </a:p>
+          <a:p>
+            <a:pPr algn="ctr"/>
+            <a:endParaRPr lang="en-GB" sz="452" b="1" dirty="0">
+              <a:solidFill>
+                <a:schemeClr val="tx1">
+                  <a:lumMod val="85000"/>
+                  <a:lumOff val="15000"/>
+                </a:schemeClr>
+              </a:solidFill>
+              <a:latin typeface="Helvetica" panose="020B0604020202020204" pitchFamily="34" charset="0"/>
+              <a:cs typeface="Helvetica" panose="020B0604020202020204" pitchFamily="34" charset="0"/>
+            </a:endParaRPr>
+          </a:p>
+          <a:p>
+            <a:pPr algn="ctr"/>
+            <a:endParaRPr lang="en-GB" sz="452" b="1" dirty="0">
+              <a:solidFill>
+                <a:schemeClr val="tx1">
+                  <a:lumMod val="85000"/>
+                  <a:lumOff val="15000"/>
+                </a:schemeClr>
+              </a:solidFill>
+              <a:latin typeface="Helvetica" panose="020B0604020202020204" pitchFamily="34" charset="0"/>
+              <a:cs typeface="Helvetica" panose="020B0604020202020204" pitchFamily="34" charset="0"/>
+            </a:endParaRPr>
+          </a:p>
+          <a:p>
+            <a:pPr algn="ctr"/>
+            <a:endParaRPr lang="en-GB" sz="452" b="1" dirty="0">
+              <a:solidFill>
+                <a:schemeClr val="tx1">
+                  <a:lumMod val="85000"/>
+                  <a:lumOff val="15000"/>
+                </a:schemeClr>
+              </a:solidFill>
+              <a:latin typeface="Helvetica" panose="020B0604020202020204" pitchFamily="34" charset="0"/>
+              <a:cs typeface="Helvetica" panose="020B0604020202020204" pitchFamily="34" charset="0"/>
+            </a:endParaRPr>
+          </a:p>
+          <a:p>
+            <a:pPr algn="ctr"/>
+            <a:r>
+              <a:rPr lang="en-GB" sz="452" b="1" dirty="0">
+                <a:solidFill>
+                  <a:schemeClr val="tx1">
+                    <a:lumMod val="85000"/>
+                    <a:lumOff val="15000"/>
+                  </a:schemeClr>
+                </a:solidFill>
+                <a:latin typeface="Helvetica" panose="020B0604020202020204" pitchFamily="34" charset="0"/>
+                <a:cs typeface="Helvetica" panose="020B0604020202020204" pitchFamily="34" charset="0"/>
+              </a:rPr>
+              <a:t>≥ 50%</a:t>
+            </a:r>
+          </a:p>
+          <a:p>
+            <a:pPr algn="ctr"/>
+            <a:endParaRPr lang="en-GB" sz="452" b="1" dirty="0">
+              <a:solidFill>
+                <a:schemeClr val="tx1">
+                  <a:lumMod val="85000"/>
+                  <a:lumOff val="15000"/>
+                </a:schemeClr>
+              </a:solidFill>
+              <a:latin typeface="Helvetica" panose="020B0604020202020204" pitchFamily="34" charset="0"/>
+              <a:cs typeface="Helvetica" panose="020B0604020202020204" pitchFamily="34" charset="0"/>
+            </a:endParaRPr>
+          </a:p>
+          <a:p>
+            <a:pPr algn="ctr"/>
+            <a:endParaRPr lang="en-GB" sz="452" b="1" dirty="0">
+              <a:solidFill>
+                <a:schemeClr val="tx1">
+                  <a:lumMod val="85000"/>
+                  <a:lumOff val="15000"/>
+                </a:schemeClr>
+              </a:solidFill>
+              <a:latin typeface="Helvetica" panose="020B0604020202020204" pitchFamily="34" charset="0"/>
+              <a:cs typeface="Helvetica" panose="020B0604020202020204" pitchFamily="34" charset="0"/>
+            </a:endParaRPr>
+          </a:p>
+          <a:p>
+            <a:pPr algn="ctr"/>
+            <a:endParaRPr lang="en-GB" sz="452" b="1" dirty="0">
+              <a:solidFill>
+                <a:schemeClr val="tx1">
+                  <a:lumMod val="85000"/>
+                  <a:lumOff val="15000"/>
+                </a:schemeClr>
+              </a:solidFill>
+              <a:latin typeface="Helvetica" panose="020B0604020202020204" pitchFamily="34" charset="0"/>
+              <a:cs typeface="Helvetica" panose="020B0604020202020204" pitchFamily="34" charset="0"/>
+            </a:endParaRPr>
+          </a:p>
+          <a:p>
+            <a:pPr algn="ctr"/>
+            <a:r>
+              <a:rPr lang="en-GB" sz="452" b="1" dirty="0">
+                <a:solidFill>
+                  <a:schemeClr val="tx1">
+                    <a:lumMod val="85000"/>
+                    <a:lumOff val="15000"/>
+                  </a:schemeClr>
+                </a:solidFill>
+                <a:latin typeface="Helvetica" panose="020B0604020202020204" pitchFamily="34" charset="0"/>
+                <a:cs typeface="Helvetica" panose="020B0604020202020204" pitchFamily="34" charset="0"/>
+              </a:rPr>
+              <a:t>≥ 75%</a:t>
+            </a:r>
+          </a:p>
+          <a:p>
+            <a:pPr algn="ctr"/>
+            <a:endParaRPr lang="en-GB" sz="452" b="1" dirty="0">
+              <a:solidFill>
+                <a:schemeClr val="tx1">
+                  <a:lumMod val="85000"/>
+                  <a:lumOff val="15000"/>
+                </a:schemeClr>
+              </a:solidFill>
+              <a:latin typeface="Helvetica" panose="020B0604020202020204" pitchFamily="34" charset="0"/>
+              <a:cs typeface="Helvetica" panose="020B0604020202020204" pitchFamily="34" charset="0"/>
+            </a:endParaRPr>
+          </a:p>
+          <a:p>
+            <a:pPr algn="ctr"/>
+            <a:endParaRPr lang="en-GB" sz="452" b="1" dirty="0">
+              <a:solidFill>
+                <a:schemeClr val="tx1">
+                  <a:lumMod val="85000"/>
+                  <a:lumOff val="15000"/>
+                </a:schemeClr>
+              </a:solidFill>
+              <a:latin typeface="Helvetica" panose="020B0604020202020204" pitchFamily="34" charset="0"/>
+              <a:cs typeface="Helvetica" panose="020B0604020202020204" pitchFamily="34" charset="0"/>
+            </a:endParaRPr>
+          </a:p>
+          <a:p>
+            <a:pPr algn="ctr"/>
+            <a:endParaRPr lang="en-GB" sz="452" b="1" dirty="0">
+              <a:solidFill>
+                <a:schemeClr val="tx1">
+                  <a:lumMod val="85000"/>
+                  <a:lumOff val="15000"/>
+                </a:schemeClr>
+              </a:solidFill>
+              <a:latin typeface="Helvetica" panose="020B0604020202020204" pitchFamily="34" charset="0"/>
+              <a:cs typeface="Helvetica" panose="020B0604020202020204" pitchFamily="34" charset="0"/>
+            </a:endParaRPr>
+          </a:p>
+          <a:p>
+            <a:pPr algn="ctr"/>
+            <a:r>
+              <a:rPr lang="en-GB" sz="452" b="1" dirty="0">
+                <a:solidFill>
+                  <a:schemeClr val="tx1">
+                    <a:lumMod val="85000"/>
+                    <a:lumOff val="15000"/>
+                  </a:schemeClr>
+                </a:solidFill>
+                <a:latin typeface="Helvetica" panose="020B0604020202020204" pitchFamily="34" charset="0"/>
+                <a:cs typeface="Helvetica" panose="020B0604020202020204" pitchFamily="34" charset="0"/>
+              </a:rPr>
+              <a:t>100%</a:t>
+            </a:r>
+          </a:p>
+          <a:p>
+            <a:pPr algn="ctr"/>
+            <a:endParaRPr lang="en-GB" sz="452" b="1" dirty="0">
+              <a:solidFill>
+                <a:schemeClr val="tx1">
+                  <a:lumMod val="85000"/>
+                  <a:lumOff val="15000"/>
+                </a:schemeClr>
+              </a:solidFill>
+              <a:latin typeface="Helvetica" panose="020B0604020202020204" pitchFamily="34" charset="0"/>
+              <a:cs typeface="Helvetica" panose="020B0604020202020204" pitchFamily="34" charset="0"/>
+            </a:endParaRPr>
+          </a:p>
+        </p:txBody>
+      </p:sp>
+      <p:sp>
+        <p:nvSpPr>
+          <p:cNvPr id="63" name="TextBox 62"/>
+          <p:cNvSpPr txBox="1"/>
+          <p:nvPr/>
+        </p:nvSpPr>
+        <p:spPr>
+          <a:xfrm>
+            <a:off x="4805667" y="3034928"/>
+            <a:ext cx="296876" cy="1414170"/>
+          </a:xfrm>
+          <a:prstGeom prst="rect">
+            <a:avLst/>
+          </a:prstGeom>
+          <a:noFill/>
+        </p:spPr>
+        <p:txBody>
+          <a:bodyPr wrap="none" rtlCol="0">
+            <a:spAutoFit/>
+          </a:bodyPr>
+          <a:lstStyle/>
+          <a:p>
+            <a:pPr algn="ctr"/>
+            <a:r>
+              <a:rPr lang="en-GB" sz="452" b="1" dirty="0">
+                <a:solidFill>
+                  <a:schemeClr val="tx1">
+                    <a:lumMod val="85000"/>
+                    <a:lumOff val="15000"/>
+                  </a:schemeClr>
+                </a:solidFill>
+                <a:latin typeface="Helvetica" panose="020B0604020202020204" pitchFamily="34" charset="0"/>
+                <a:cs typeface="Helvetica" panose="020B0604020202020204" pitchFamily="34" charset="0"/>
+              </a:rPr>
+              <a:t>0</a:t>
+            </a:r>
+          </a:p>
+          <a:p>
+            <a:pPr algn="ctr"/>
+            <a:r>
+              <a:rPr lang="en-GB" sz="452" b="1" dirty="0">
+                <a:solidFill>
+                  <a:schemeClr val="tx1">
+                    <a:lumMod val="85000"/>
+                    <a:lumOff val="15000"/>
+                  </a:schemeClr>
+                </a:solidFill>
+                <a:latin typeface="Helvetica" panose="020B0604020202020204" pitchFamily="34" charset="0"/>
+                <a:cs typeface="Helvetica" panose="020B0604020202020204" pitchFamily="34" charset="0"/>
+              </a:rPr>
+              <a:t>(0)</a:t>
+            </a:r>
+          </a:p>
+          <a:p>
+            <a:pPr algn="ctr"/>
+            <a:endParaRPr lang="en-GB" sz="452" b="1" dirty="0">
+              <a:solidFill>
+                <a:schemeClr val="tx1">
+                  <a:lumMod val="85000"/>
+                  <a:lumOff val="15000"/>
+                </a:schemeClr>
+              </a:solidFill>
+              <a:latin typeface="Helvetica" panose="020B0604020202020204" pitchFamily="34" charset="0"/>
+              <a:cs typeface="Helvetica" panose="020B0604020202020204" pitchFamily="34" charset="0"/>
+            </a:endParaRPr>
+          </a:p>
+          <a:p>
+            <a:pPr algn="ctr"/>
+            <a:endParaRPr lang="en-GB" sz="452" b="1" dirty="0">
+              <a:solidFill>
+                <a:schemeClr val="tx1">
+                  <a:lumMod val="85000"/>
+                  <a:lumOff val="15000"/>
+                </a:schemeClr>
+              </a:solidFill>
+              <a:latin typeface="Helvetica" panose="020B0604020202020204" pitchFamily="34" charset="0"/>
+              <a:cs typeface="Helvetica" panose="020B0604020202020204" pitchFamily="34" charset="0"/>
+            </a:endParaRPr>
+          </a:p>
+          <a:p>
+            <a:pPr algn="ctr"/>
+            <a:r>
+              <a:rPr lang="en-GB" sz="452" b="1" dirty="0">
+                <a:solidFill>
+                  <a:schemeClr val="tx1">
+                    <a:lumMod val="85000"/>
+                    <a:lumOff val="15000"/>
+                  </a:schemeClr>
+                </a:solidFill>
+                <a:latin typeface="Helvetica" panose="020B0604020202020204" pitchFamily="34" charset="0"/>
+                <a:cs typeface="Helvetica" panose="020B0604020202020204" pitchFamily="34" charset="0"/>
+              </a:rPr>
+              <a:t>1 </a:t>
+            </a:r>
+          </a:p>
+          <a:p>
+            <a:pPr algn="ctr"/>
+            <a:r>
+              <a:rPr lang="en-GB" sz="452" b="1" dirty="0">
+                <a:solidFill>
+                  <a:schemeClr val="tx1">
+                    <a:lumMod val="85000"/>
+                    <a:lumOff val="15000"/>
+                  </a:schemeClr>
+                </a:solidFill>
+                <a:latin typeface="Helvetica" panose="020B0604020202020204" pitchFamily="34" charset="0"/>
+                <a:cs typeface="Helvetica" panose="020B0604020202020204" pitchFamily="34" charset="0"/>
+              </a:rPr>
+              <a:t>(0)</a:t>
+            </a:r>
+          </a:p>
+          <a:p>
+            <a:pPr algn="ctr"/>
+            <a:endParaRPr lang="en-GB" sz="452" b="1" dirty="0">
+              <a:solidFill>
+                <a:schemeClr val="tx1">
+                  <a:lumMod val="85000"/>
+                  <a:lumOff val="15000"/>
+                </a:schemeClr>
+              </a:solidFill>
+              <a:latin typeface="Helvetica" panose="020B0604020202020204" pitchFamily="34" charset="0"/>
+              <a:cs typeface="Helvetica" panose="020B0604020202020204" pitchFamily="34" charset="0"/>
+            </a:endParaRPr>
+          </a:p>
+          <a:p>
+            <a:pPr algn="ctr"/>
+            <a:endParaRPr lang="en-GB" sz="452" b="1" dirty="0">
+              <a:solidFill>
+                <a:schemeClr val="tx1">
+                  <a:lumMod val="85000"/>
+                  <a:lumOff val="15000"/>
+                </a:schemeClr>
+              </a:solidFill>
+              <a:latin typeface="Helvetica" panose="020B0604020202020204" pitchFamily="34" charset="0"/>
+              <a:cs typeface="Helvetica" panose="020B0604020202020204" pitchFamily="34" charset="0"/>
+            </a:endParaRPr>
+          </a:p>
+          <a:p>
+            <a:pPr algn="ctr"/>
+            <a:r>
+              <a:rPr lang="en-GB" sz="452" b="1" dirty="0">
+                <a:solidFill>
+                  <a:schemeClr val="tx1">
+                    <a:lumMod val="85000"/>
+                    <a:lumOff val="15000"/>
+                  </a:schemeClr>
+                </a:solidFill>
+                <a:latin typeface="Helvetica" panose="020B0604020202020204" pitchFamily="34" charset="0"/>
+                <a:cs typeface="Helvetica" panose="020B0604020202020204" pitchFamily="34" charset="0"/>
+              </a:rPr>
+              <a:t>200 </a:t>
+            </a:r>
+          </a:p>
+          <a:p>
+            <a:pPr algn="ctr"/>
+            <a:r>
+              <a:rPr lang="en-GB" sz="452" b="1" dirty="0">
+                <a:solidFill>
+                  <a:schemeClr val="tx1">
+                    <a:lumMod val="85000"/>
+                    <a:lumOff val="15000"/>
+                  </a:schemeClr>
+                </a:solidFill>
+                <a:latin typeface="Helvetica" panose="020B0604020202020204" pitchFamily="34" charset="0"/>
+                <a:cs typeface="Helvetica" panose="020B0604020202020204" pitchFamily="34" charset="0"/>
+              </a:rPr>
+              <a:t>(48)</a:t>
+            </a:r>
+          </a:p>
+          <a:p>
+            <a:pPr algn="ctr"/>
+            <a:endParaRPr lang="en-GB" sz="452" b="1" dirty="0">
+              <a:solidFill>
+                <a:schemeClr val="tx1">
+                  <a:lumMod val="85000"/>
+                  <a:lumOff val="15000"/>
+                </a:schemeClr>
+              </a:solidFill>
+              <a:latin typeface="Helvetica" panose="020B0604020202020204" pitchFamily="34" charset="0"/>
+              <a:cs typeface="Helvetica" panose="020B0604020202020204" pitchFamily="34" charset="0"/>
+            </a:endParaRPr>
+          </a:p>
+          <a:p>
+            <a:pPr algn="ctr"/>
+            <a:endParaRPr lang="en-GB" sz="452" b="1" dirty="0">
+              <a:solidFill>
+                <a:schemeClr val="tx1">
+                  <a:lumMod val="85000"/>
+                  <a:lumOff val="15000"/>
+                </a:schemeClr>
+              </a:solidFill>
+              <a:latin typeface="Helvetica" panose="020B0604020202020204" pitchFamily="34" charset="0"/>
+              <a:cs typeface="Helvetica" panose="020B0604020202020204" pitchFamily="34" charset="0"/>
+            </a:endParaRPr>
+          </a:p>
+          <a:p>
+            <a:pPr algn="ctr"/>
+            <a:r>
+              <a:rPr lang="en-GB" sz="452" b="1" dirty="0">
+                <a:solidFill>
+                  <a:schemeClr val="tx1">
+                    <a:lumMod val="85000"/>
+                    <a:lumOff val="15000"/>
+                  </a:schemeClr>
+                </a:solidFill>
+                <a:latin typeface="Helvetica" panose="020B0604020202020204" pitchFamily="34" charset="0"/>
+                <a:cs typeface="Helvetica" panose="020B0604020202020204" pitchFamily="34" charset="0"/>
+              </a:rPr>
+              <a:t>149 </a:t>
+            </a:r>
+          </a:p>
+          <a:p>
+            <a:pPr algn="ctr"/>
+            <a:r>
+              <a:rPr lang="en-GB" sz="452" b="1" dirty="0">
+                <a:solidFill>
+                  <a:schemeClr val="tx1">
+                    <a:lumMod val="85000"/>
+                    <a:lumOff val="15000"/>
+                  </a:schemeClr>
+                </a:solidFill>
+                <a:latin typeface="Helvetica" panose="020B0604020202020204" pitchFamily="34" charset="0"/>
+                <a:cs typeface="Helvetica" panose="020B0604020202020204" pitchFamily="34" charset="0"/>
+              </a:rPr>
+              <a:t>(28)</a:t>
+            </a:r>
+          </a:p>
+          <a:p>
+            <a:pPr algn="ctr"/>
+            <a:endParaRPr lang="en-GB" sz="452" b="1" dirty="0">
+              <a:solidFill>
+                <a:schemeClr val="tx1">
+                  <a:lumMod val="85000"/>
+                  <a:lumOff val="15000"/>
+                </a:schemeClr>
+              </a:solidFill>
+              <a:latin typeface="Helvetica" panose="020B0604020202020204" pitchFamily="34" charset="0"/>
+              <a:cs typeface="Helvetica" panose="020B0604020202020204" pitchFamily="34" charset="0"/>
+            </a:endParaRPr>
+          </a:p>
+          <a:p>
+            <a:pPr algn="ctr"/>
+            <a:endParaRPr lang="en-GB" sz="452" b="1" dirty="0">
+              <a:solidFill>
+                <a:schemeClr val="tx1">
+                  <a:lumMod val="85000"/>
+                  <a:lumOff val="15000"/>
+                </a:schemeClr>
+              </a:solidFill>
+              <a:latin typeface="Helvetica" panose="020B0604020202020204" pitchFamily="34" charset="0"/>
+              <a:cs typeface="Helvetica" panose="020B0604020202020204" pitchFamily="34" charset="0"/>
+            </a:endParaRPr>
+          </a:p>
+          <a:p>
+            <a:pPr algn="ctr"/>
+            <a:r>
+              <a:rPr lang="en-GB" sz="452" b="1" dirty="0">
+                <a:solidFill>
+                  <a:schemeClr val="tx1">
+                    <a:lumMod val="85000"/>
+                    <a:lumOff val="15000"/>
+                  </a:schemeClr>
+                </a:solidFill>
+                <a:latin typeface="Helvetica" panose="020B0604020202020204" pitchFamily="34" charset="0"/>
+                <a:cs typeface="Helvetica" panose="020B0604020202020204" pitchFamily="34" charset="0"/>
+              </a:rPr>
+              <a:t>66 </a:t>
+            </a:r>
+          </a:p>
+          <a:p>
+            <a:pPr algn="ctr"/>
+            <a:r>
+              <a:rPr lang="en-GB" sz="452" b="1" dirty="0">
+                <a:solidFill>
+                  <a:schemeClr val="tx1">
+                    <a:lumMod val="85000"/>
+                    <a:lumOff val="15000"/>
+                  </a:schemeClr>
+                </a:solidFill>
+                <a:latin typeface="Helvetica" panose="020B0604020202020204" pitchFamily="34" charset="0"/>
+                <a:cs typeface="Helvetica" panose="020B0604020202020204" pitchFamily="34" charset="0"/>
+              </a:rPr>
+              <a:t>(10)</a:t>
+            </a:r>
+          </a:p>
+          <a:p>
+            <a:pPr algn="ctr"/>
+            <a:endParaRPr lang="en-GB" sz="452" b="1" dirty="0">
+              <a:solidFill>
+                <a:schemeClr val="tx1">
+                  <a:lumMod val="85000"/>
+                  <a:lumOff val="15000"/>
+                </a:schemeClr>
+              </a:solidFill>
+              <a:latin typeface="Helvetica" panose="020B0604020202020204" pitchFamily="34" charset="0"/>
+              <a:cs typeface="Helvetica" panose="020B0604020202020204" pitchFamily="34" charset="0"/>
+            </a:endParaRPr>
+          </a:p>
+        </p:txBody>
+      </p:sp>
+      <p:sp>
+        <p:nvSpPr>
+          <p:cNvPr id="64" name="TextBox 63"/>
+          <p:cNvSpPr txBox="1"/>
+          <p:nvPr/>
+        </p:nvSpPr>
+        <p:spPr>
+          <a:xfrm>
+            <a:off x="5062994" y="3034928"/>
+            <a:ext cx="367408" cy="1414170"/>
+          </a:xfrm>
+          <a:prstGeom prst="rect">
+            <a:avLst/>
+          </a:prstGeom>
+          <a:noFill/>
+        </p:spPr>
+        <p:txBody>
+          <a:bodyPr wrap="none" rtlCol="0">
+            <a:spAutoFit/>
+          </a:bodyPr>
+          <a:lstStyle/>
+          <a:p>
+            <a:pPr algn="ctr"/>
+            <a:r>
+              <a:rPr lang="en-GB" sz="452" b="1" dirty="0">
+                <a:solidFill>
+                  <a:schemeClr val="tx1">
+                    <a:lumMod val="85000"/>
+                    <a:lumOff val="15000"/>
+                  </a:schemeClr>
+                </a:solidFill>
+                <a:latin typeface="Helvetica" panose="020B0604020202020204" pitchFamily="34" charset="0"/>
+                <a:cs typeface="Helvetica" panose="020B0604020202020204" pitchFamily="34" charset="0"/>
+              </a:rPr>
+              <a:t>0 </a:t>
+            </a:r>
+          </a:p>
+          <a:p>
+            <a:pPr algn="ctr"/>
+            <a:r>
+              <a:rPr lang="en-GB" sz="452" b="1" dirty="0">
+                <a:solidFill>
+                  <a:schemeClr val="tx1">
+                    <a:lumMod val="85000"/>
+                    <a:lumOff val="15000"/>
+                  </a:schemeClr>
+                </a:solidFill>
+                <a:latin typeface="Helvetica" panose="020B0604020202020204" pitchFamily="34" charset="0"/>
+                <a:cs typeface="Helvetica" panose="020B0604020202020204" pitchFamily="34" charset="0"/>
+              </a:rPr>
+              <a:t>(0)</a:t>
+            </a:r>
+          </a:p>
+          <a:p>
+            <a:pPr algn="ctr"/>
+            <a:endParaRPr lang="en-GB" sz="452" b="1" dirty="0">
+              <a:solidFill>
+                <a:schemeClr val="tx1">
+                  <a:lumMod val="85000"/>
+                  <a:lumOff val="15000"/>
+                </a:schemeClr>
+              </a:solidFill>
+              <a:latin typeface="Helvetica" panose="020B0604020202020204" pitchFamily="34" charset="0"/>
+              <a:cs typeface="Helvetica" panose="020B0604020202020204" pitchFamily="34" charset="0"/>
+            </a:endParaRPr>
+          </a:p>
+          <a:p>
+            <a:pPr algn="ctr"/>
+            <a:endParaRPr lang="en-GB" sz="452" b="1" dirty="0">
+              <a:solidFill>
+                <a:schemeClr val="tx1">
+                  <a:lumMod val="85000"/>
+                  <a:lumOff val="15000"/>
+                </a:schemeClr>
+              </a:solidFill>
+              <a:latin typeface="Helvetica" panose="020B0604020202020204" pitchFamily="34" charset="0"/>
+              <a:cs typeface="Helvetica" panose="020B0604020202020204" pitchFamily="34" charset="0"/>
+            </a:endParaRPr>
+          </a:p>
+          <a:p>
+            <a:pPr algn="ctr"/>
+            <a:r>
+              <a:rPr lang="en-GB" sz="452" b="1" dirty="0">
+                <a:solidFill>
+                  <a:schemeClr val="tx1">
+                    <a:lumMod val="85000"/>
+                    <a:lumOff val="15000"/>
+                  </a:schemeClr>
+                </a:solidFill>
+                <a:latin typeface="Helvetica" panose="020B0604020202020204" pitchFamily="34" charset="0"/>
+                <a:cs typeface="Helvetica" panose="020B0604020202020204" pitchFamily="34" charset="0"/>
+              </a:rPr>
+              <a:t>0.50 </a:t>
+            </a:r>
+          </a:p>
+          <a:p>
+            <a:pPr algn="ctr"/>
+            <a:r>
+              <a:rPr lang="en-GB" sz="452" b="1" dirty="0">
+                <a:solidFill>
+                  <a:schemeClr val="tx1">
+                    <a:lumMod val="85000"/>
+                    <a:lumOff val="15000"/>
+                  </a:schemeClr>
+                </a:solidFill>
+                <a:latin typeface="Helvetica" panose="020B0604020202020204" pitchFamily="34" charset="0"/>
+                <a:cs typeface="Helvetica" panose="020B0604020202020204" pitchFamily="34" charset="0"/>
+              </a:rPr>
+              <a:t>(0)</a:t>
+            </a:r>
+          </a:p>
+          <a:p>
+            <a:pPr algn="ctr"/>
+            <a:endParaRPr lang="en-GB" sz="452" b="1" dirty="0">
+              <a:solidFill>
+                <a:schemeClr val="tx1">
+                  <a:lumMod val="85000"/>
+                  <a:lumOff val="15000"/>
+                </a:schemeClr>
+              </a:solidFill>
+              <a:latin typeface="Helvetica" panose="020B0604020202020204" pitchFamily="34" charset="0"/>
+              <a:cs typeface="Helvetica" panose="020B0604020202020204" pitchFamily="34" charset="0"/>
+            </a:endParaRPr>
+          </a:p>
+          <a:p>
+            <a:pPr algn="ctr"/>
+            <a:endParaRPr lang="en-GB" sz="452" b="1" dirty="0">
+              <a:solidFill>
+                <a:schemeClr val="tx1">
+                  <a:lumMod val="85000"/>
+                  <a:lumOff val="15000"/>
+                </a:schemeClr>
+              </a:solidFill>
+              <a:latin typeface="Helvetica" panose="020B0604020202020204" pitchFamily="34" charset="0"/>
+              <a:cs typeface="Helvetica" panose="020B0604020202020204" pitchFamily="34" charset="0"/>
+            </a:endParaRPr>
+          </a:p>
+          <a:p>
+            <a:pPr algn="ctr"/>
+            <a:r>
+              <a:rPr lang="en-GB" sz="452" b="1" dirty="0">
+                <a:solidFill>
+                  <a:schemeClr val="tx1">
+                    <a:lumMod val="85000"/>
+                    <a:lumOff val="15000"/>
+                  </a:schemeClr>
+                </a:solidFill>
+                <a:latin typeface="Helvetica" panose="020B0604020202020204" pitchFamily="34" charset="0"/>
+                <a:cs typeface="Helvetica" panose="020B0604020202020204" pitchFamily="34" charset="0"/>
+              </a:rPr>
+              <a:t>99.50 </a:t>
+            </a:r>
+          </a:p>
+          <a:p>
+            <a:pPr algn="ctr"/>
+            <a:r>
+              <a:rPr lang="en-GB" sz="452" b="1" dirty="0">
+                <a:solidFill>
+                  <a:schemeClr val="tx1">
+                    <a:lumMod val="85000"/>
+                    <a:lumOff val="15000"/>
+                  </a:schemeClr>
+                </a:solidFill>
+                <a:latin typeface="Helvetica" panose="020B0604020202020204" pitchFamily="34" charset="0"/>
+                <a:cs typeface="Helvetica" panose="020B0604020202020204" pitchFamily="34" charset="0"/>
+              </a:rPr>
+              <a:t>(100)</a:t>
+            </a:r>
+          </a:p>
+          <a:p>
+            <a:pPr algn="ctr"/>
+            <a:endParaRPr lang="en-GB" sz="452" b="1" dirty="0">
+              <a:solidFill>
+                <a:schemeClr val="tx1">
+                  <a:lumMod val="85000"/>
+                  <a:lumOff val="15000"/>
+                </a:schemeClr>
+              </a:solidFill>
+              <a:latin typeface="Helvetica" panose="020B0604020202020204" pitchFamily="34" charset="0"/>
+              <a:cs typeface="Helvetica" panose="020B0604020202020204" pitchFamily="34" charset="0"/>
+            </a:endParaRPr>
+          </a:p>
+          <a:p>
+            <a:pPr algn="ctr"/>
+            <a:endParaRPr lang="en-GB" sz="452" b="1" dirty="0">
+              <a:solidFill>
+                <a:schemeClr val="tx1">
+                  <a:lumMod val="85000"/>
+                  <a:lumOff val="15000"/>
+                </a:schemeClr>
+              </a:solidFill>
+              <a:latin typeface="Helvetica" panose="020B0604020202020204" pitchFamily="34" charset="0"/>
+              <a:cs typeface="Helvetica" panose="020B0604020202020204" pitchFamily="34" charset="0"/>
+            </a:endParaRPr>
+          </a:p>
+          <a:p>
+            <a:pPr algn="ctr"/>
+            <a:r>
+              <a:rPr lang="en-GB" sz="452" b="1" dirty="0">
+                <a:solidFill>
+                  <a:schemeClr val="tx1">
+                    <a:lumMod val="85000"/>
+                    <a:lumOff val="15000"/>
+                  </a:schemeClr>
+                </a:solidFill>
+                <a:latin typeface="Helvetica" panose="020B0604020202020204" pitchFamily="34" charset="0"/>
+                <a:cs typeface="Helvetica" panose="020B0604020202020204" pitchFamily="34" charset="0"/>
+              </a:rPr>
+              <a:t>74.13 </a:t>
+            </a:r>
+          </a:p>
+          <a:p>
+            <a:pPr algn="ctr"/>
+            <a:r>
+              <a:rPr lang="en-GB" sz="452" b="1" dirty="0">
+                <a:solidFill>
+                  <a:schemeClr val="tx1">
+                    <a:lumMod val="85000"/>
+                    <a:lumOff val="15000"/>
+                  </a:schemeClr>
+                </a:solidFill>
+                <a:latin typeface="Helvetica" panose="020B0604020202020204" pitchFamily="34" charset="0"/>
+                <a:cs typeface="Helvetica" panose="020B0604020202020204" pitchFamily="34" charset="0"/>
+              </a:rPr>
+              <a:t>(58.33)</a:t>
+            </a:r>
+          </a:p>
+          <a:p>
+            <a:pPr algn="ctr"/>
+            <a:endParaRPr lang="en-GB" sz="452" b="1" dirty="0">
+              <a:solidFill>
+                <a:schemeClr val="tx1">
+                  <a:lumMod val="85000"/>
+                  <a:lumOff val="15000"/>
+                </a:schemeClr>
+              </a:solidFill>
+              <a:latin typeface="Helvetica" panose="020B0604020202020204" pitchFamily="34" charset="0"/>
+              <a:cs typeface="Helvetica" panose="020B0604020202020204" pitchFamily="34" charset="0"/>
+            </a:endParaRPr>
+          </a:p>
+          <a:p>
+            <a:pPr algn="ctr"/>
+            <a:endParaRPr lang="en-GB" sz="452" b="1" dirty="0">
+              <a:solidFill>
+                <a:schemeClr val="tx1">
+                  <a:lumMod val="85000"/>
+                  <a:lumOff val="15000"/>
+                </a:schemeClr>
+              </a:solidFill>
+              <a:latin typeface="Helvetica" panose="020B0604020202020204" pitchFamily="34" charset="0"/>
+              <a:cs typeface="Helvetica" panose="020B0604020202020204" pitchFamily="34" charset="0"/>
+            </a:endParaRPr>
+          </a:p>
+          <a:p>
+            <a:pPr algn="ctr"/>
+            <a:r>
+              <a:rPr lang="en-GB" sz="452" b="1" dirty="0">
+                <a:solidFill>
+                  <a:schemeClr val="tx1">
+                    <a:lumMod val="85000"/>
+                    <a:lumOff val="15000"/>
+                  </a:schemeClr>
+                </a:solidFill>
+                <a:latin typeface="Helvetica" panose="020B0604020202020204" pitchFamily="34" charset="0"/>
+                <a:cs typeface="Helvetica" panose="020B0604020202020204" pitchFamily="34" charset="0"/>
+              </a:rPr>
+              <a:t>32.84 </a:t>
+            </a:r>
+          </a:p>
+          <a:p>
+            <a:pPr algn="ctr"/>
+            <a:r>
+              <a:rPr lang="en-GB" sz="452" b="1" dirty="0">
+                <a:solidFill>
+                  <a:schemeClr val="tx1">
+                    <a:lumMod val="85000"/>
+                    <a:lumOff val="15000"/>
+                  </a:schemeClr>
+                </a:solidFill>
+                <a:latin typeface="Helvetica" panose="020B0604020202020204" pitchFamily="34" charset="0"/>
+                <a:cs typeface="Helvetica" panose="020B0604020202020204" pitchFamily="34" charset="0"/>
+              </a:rPr>
+              <a:t>(20.83)</a:t>
+            </a:r>
+          </a:p>
+          <a:p>
+            <a:pPr algn="ctr"/>
+            <a:endParaRPr lang="en-GB" sz="452" b="1" dirty="0">
+              <a:solidFill>
+                <a:schemeClr val="tx1">
+                  <a:lumMod val="85000"/>
+                  <a:lumOff val="15000"/>
+                </a:schemeClr>
+              </a:solidFill>
+              <a:latin typeface="Helvetica" panose="020B0604020202020204" pitchFamily="34" charset="0"/>
+              <a:cs typeface="Helvetica" panose="020B0604020202020204" pitchFamily="34" charset="0"/>
+            </a:endParaRPr>
+          </a:p>
+        </p:txBody>
+      </p:sp>
+      <p:sp>
+        <p:nvSpPr>
+          <p:cNvPr id="65" name="TextBox 64"/>
+          <p:cNvSpPr txBox="1"/>
+          <p:nvPr/>
+        </p:nvSpPr>
+        <p:spPr>
+          <a:xfrm>
+            <a:off x="5403485" y="3034923"/>
+            <a:ext cx="287258" cy="1344599"/>
+          </a:xfrm>
+          <a:prstGeom prst="rect">
+            <a:avLst/>
+          </a:prstGeom>
+          <a:noFill/>
+        </p:spPr>
+        <p:txBody>
+          <a:bodyPr wrap="none" rtlCol="0">
+            <a:spAutoFit/>
+          </a:bodyPr>
+          <a:lstStyle/>
+          <a:p>
+            <a:pPr algn="ctr"/>
+            <a:r>
+              <a:rPr lang="en-GB" sz="452" b="1" dirty="0">
+                <a:solidFill>
+                  <a:schemeClr val="tx1">
+                    <a:lumMod val="85000"/>
+                    <a:lumOff val="15000"/>
+                  </a:schemeClr>
+                </a:solidFill>
+                <a:latin typeface="Helvetica" panose="020B0604020202020204" pitchFamily="34" charset="0"/>
+                <a:cs typeface="Helvetica" panose="020B0604020202020204" pitchFamily="34" charset="0"/>
+              </a:rPr>
+              <a:t>0</a:t>
+            </a:r>
+          </a:p>
+          <a:p>
+            <a:pPr algn="ctr"/>
+            <a:r>
+              <a:rPr lang="en-GB" sz="452" b="1" dirty="0">
+                <a:solidFill>
+                  <a:schemeClr val="tx1">
+                    <a:lumMod val="85000"/>
+                    <a:lumOff val="15000"/>
+                  </a:schemeClr>
+                </a:solidFill>
+                <a:latin typeface="Helvetica" panose="020B0604020202020204" pitchFamily="34" charset="0"/>
+                <a:cs typeface="Helvetica" panose="020B0604020202020204" pitchFamily="34" charset="0"/>
+              </a:rPr>
+              <a:t>(0)</a:t>
+            </a:r>
+          </a:p>
+          <a:p>
+            <a:pPr algn="ctr"/>
+            <a:endParaRPr lang="en-GB" sz="452" b="1" dirty="0">
+              <a:solidFill>
+                <a:schemeClr val="tx1">
+                  <a:lumMod val="85000"/>
+                  <a:lumOff val="15000"/>
+                </a:schemeClr>
+              </a:solidFill>
+              <a:latin typeface="Helvetica" panose="020B0604020202020204" pitchFamily="34" charset="0"/>
+              <a:cs typeface="Helvetica" panose="020B0604020202020204" pitchFamily="34" charset="0"/>
+            </a:endParaRPr>
+          </a:p>
+          <a:p>
+            <a:pPr algn="ctr"/>
+            <a:endParaRPr lang="en-GB" sz="452" b="1" dirty="0">
+              <a:solidFill>
+                <a:schemeClr val="tx1">
+                  <a:lumMod val="85000"/>
+                  <a:lumOff val="15000"/>
+                </a:schemeClr>
+              </a:solidFill>
+              <a:latin typeface="Helvetica" panose="020B0604020202020204" pitchFamily="34" charset="0"/>
+              <a:cs typeface="Helvetica" panose="020B0604020202020204" pitchFamily="34" charset="0"/>
+            </a:endParaRPr>
+          </a:p>
+          <a:p>
+            <a:pPr algn="ctr"/>
+            <a:r>
+              <a:rPr lang="en-GB" sz="452" b="1" dirty="0">
+                <a:solidFill>
+                  <a:schemeClr val="tx1">
+                    <a:lumMod val="85000"/>
+                    <a:lumOff val="15000"/>
+                  </a:schemeClr>
+                </a:solidFill>
+                <a:latin typeface="Helvetica" panose="020B0604020202020204" pitchFamily="34" charset="0"/>
+                <a:cs typeface="Helvetica" panose="020B0604020202020204" pitchFamily="34" charset="0"/>
+              </a:rPr>
+              <a:t>1</a:t>
+            </a:r>
+            <a:br>
+              <a:rPr lang="en-GB" sz="452" b="1" dirty="0">
+                <a:solidFill>
+                  <a:schemeClr val="tx1">
+                    <a:lumMod val="85000"/>
+                    <a:lumOff val="15000"/>
+                  </a:schemeClr>
+                </a:solidFill>
+                <a:latin typeface="Helvetica" panose="020B0604020202020204" pitchFamily="34" charset="0"/>
+                <a:cs typeface="Helvetica" panose="020B0604020202020204" pitchFamily="34" charset="0"/>
+              </a:rPr>
+            </a:br>
+            <a:r>
+              <a:rPr lang="en-GB" sz="452" b="1" dirty="0">
+                <a:solidFill>
+                  <a:schemeClr val="tx1">
+                    <a:lumMod val="85000"/>
+                    <a:lumOff val="15000"/>
+                  </a:schemeClr>
+                </a:solidFill>
+                <a:latin typeface="Helvetica" panose="020B0604020202020204" pitchFamily="34" charset="0"/>
+                <a:cs typeface="Helvetica" panose="020B0604020202020204" pitchFamily="34" charset="0"/>
+              </a:rPr>
+              <a:t>(0)</a:t>
+            </a:r>
+          </a:p>
+          <a:p>
+            <a:pPr algn="ctr"/>
+            <a:endParaRPr lang="en-GB" sz="452" b="1" dirty="0">
+              <a:solidFill>
+                <a:schemeClr val="tx1">
+                  <a:lumMod val="85000"/>
+                  <a:lumOff val="15000"/>
+                </a:schemeClr>
+              </a:solidFill>
+              <a:latin typeface="Helvetica" panose="020B0604020202020204" pitchFamily="34" charset="0"/>
+              <a:cs typeface="Helvetica" panose="020B0604020202020204" pitchFamily="34" charset="0"/>
+            </a:endParaRPr>
+          </a:p>
+          <a:p>
+            <a:pPr algn="ctr"/>
+            <a:endParaRPr lang="en-GB" sz="452" b="1" dirty="0">
+              <a:solidFill>
+                <a:schemeClr val="tx1">
+                  <a:lumMod val="85000"/>
+                  <a:lumOff val="15000"/>
+                </a:schemeClr>
+              </a:solidFill>
+              <a:latin typeface="Helvetica" panose="020B0604020202020204" pitchFamily="34" charset="0"/>
+              <a:cs typeface="Helvetica" panose="020B0604020202020204" pitchFamily="34" charset="0"/>
+            </a:endParaRPr>
+          </a:p>
+          <a:p>
+            <a:pPr algn="ctr"/>
+            <a:r>
+              <a:rPr lang="en-GB" sz="452" b="1" dirty="0">
+                <a:solidFill>
+                  <a:schemeClr val="tx1">
+                    <a:lumMod val="85000"/>
+                    <a:lumOff val="15000"/>
+                  </a:schemeClr>
+                </a:solidFill>
+                <a:latin typeface="Helvetica" panose="020B0604020202020204" pitchFamily="34" charset="0"/>
+                <a:cs typeface="Helvetica" panose="020B0604020202020204" pitchFamily="34" charset="0"/>
+              </a:rPr>
+              <a:t>46</a:t>
+            </a:r>
+          </a:p>
+          <a:p>
+            <a:pPr algn="ctr"/>
+            <a:r>
+              <a:rPr lang="en-GB" sz="452" b="1" dirty="0">
+                <a:solidFill>
+                  <a:schemeClr val="tx1">
+                    <a:lumMod val="85000"/>
+                    <a:lumOff val="15000"/>
+                  </a:schemeClr>
+                </a:solidFill>
+                <a:latin typeface="Helvetica" panose="020B0604020202020204" pitchFamily="34" charset="0"/>
+                <a:cs typeface="Helvetica" panose="020B0604020202020204" pitchFamily="34" charset="0"/>
+              </a:rPr>
+              <a:t>(18)</a:t>
+            </a:r>
+          </a:p>
+          <a:p>
+            <a:pPr algn="ctr"/>
+            <a:endParaRPr lang="en-GB" sz="452" b="1" dirty="0">
+              <a:solidFill>
+                <a:schemeClr val="tx1">
+                  <a:lumMod val="85000"/>
+                  <a:lumOff val="15000"/>
+                </a:schemeClr>
+              </a:solidFill>
+              <a:latin typeface="Helvetica" panose="020B0604020202020204" pitchFamily="34" charset="0"/>
+              <a:cs typeface="Helvetica" panose="020B0604020202020204" pitchFamily="34" charset="0"/>
+            </a:endParaRPr>
+          </a:p>
+          <a:p>
+            <a:pPr algn="ctr"/>
+            <a:endParaRPr lang="en-GB" sz="452" b="1" dirty="0">
+              <a:solidFill>
+                <a:schemeClr val="tx1">
+                  <a:lumMod val="85000"/>
+                  <a:lumOff val="15000"/>
+                </a:schemeClr>
+              </a:solidFill>
+              <a:latin typeface="Helvetica" panose="020B0604020202020204" pitchFamily="34" charset="0"/>
+              <a:cs typeface="Helvetica" panose="020B0604020202020204" pitchFamily="34" charset="0"/>
+            </a:endParaRPr>
+          </a:p>
+          <a:p>
+            <a:pPr algn="ctr"/>
+            <a:r>
+              <a:rPr lang="en-GB" sz="452" b="1" dirty="0">
+                <a:solidFill>
+                  <a:schemeClr val="tx1">
+                    <a:lumMod val="85000"/>
+                    <a:lumOff val="15000"/>
+                  </a:schemeClr>
+                </a:solidFill>
+                <a:latin typeface="Helvetica" panose="020B0604020202020204" pitchFamily="34" charset="0"/>
+                <a:cs typeface="Helvetica" panose="020B0604020202020204" pitchFamily="34" charset="0"/>
+              </a:rPr>
+              <a:t>41</a:t>
+            </a:r>
+          </a:p>
+          <a:p>
+            <a:pPr algn="ctr"/>
+            <a:r>
+              <a:rPr lang="en-GB" sz="452" b="1" dirty="0">
+                <a:solidFill>
+                  <a:schemeClr val="tx1">
+                    <a:lumMod val="85000"/>
+                    <a:lumOff val="15000"/>
+                  </a:schemeClr>
+                </a:solidFill>
+                <a:latin typeface="Helvetica" panose="020B0604020202020204" pitchFamily="34" charset="0"/>
+                <a:cs typeface="Helvetica" panose="020B0604020202020204" pitchFamily="34" charset="0"/>
+              </a:rPr>
+              <a:t>(14)</a:t>
+            </a:r>
+          </a:p>
+          <a:p>
+            <a:pPr algn="ctr"/>
+            <a:endParaRPr lang="en-GB" sz="452" b="1" dirty="0">
+              <a:solidFill>
+                <a:schemeClr val="tx1">
+                  <a:lumMod val="85000"/>
+                  <a:lumOff val="15000"/>
+                </a:schemeClr>
+              </a:solidFill>
+              <a:latin typeface="Helvetica" panose="020B0604020202020204" pitchFamily="34" charset="0"/>
+              <a:cs typeface="Helvetica" panose="020B0604020202020204" pitchFamily="34" charset="0"/>
+            </a:endParaRPr>
+          </a:p>
+          <a:p>
+            <a:pPr algn="ctr"/>
+            <a:endParaRPr lang="en-GB" sz="452" b="1" dirty="0">
+              <a:solidFill>
+                <a:schemeClr val="tx1">
+                  <a:lumMod val="85000"/>
+                  <a:lumOff val="15000"/>
+                </a:schemeClr>
+              </a:solidFill>
+              <a:latin typeface="Helvetica" panose="020B0604020202020204" pitchFamily="34" charset="0"/>
+              <a:cs typeface="Helvetica" panose="020B0604020202020204" pitchFamily="34" charset="0"/>
+            </a:endParaRPr>
+          </a:p>
+          <a:p>
+            <a:pPr algn="ctr"/>
+            <a:r>
+              <a:rPr lang="en-GB" sz="452" b="1" dirty="0">
+                <a:solidFill>
+                  <a:schemeClr val="tx1">
+                    <a:lumMod val="85000"/>
+                    <a:lumOff val="15000"/>
+                  </a:schemeClr>
+                </a:solidFill>
+                <a:latin typeface="Helvetica" panose="020B0604020202020204" pitchFamily="34" charset="0"/>
+                <a:cs typeface="Helvetica" panose="020B0604020202020204" pitchFamily="34" charset="0"/>
+              </a:rPr>
+              <a:t>30</a:t>
+            </a:r>
+          </a:p>
+          <a:p>
+            <a:pPr algn="ctr"/>
+            <a:r>
+              <a:rPr lang="en-GB" sz="452" b="1" dirty="0">
+                <a:solidFill>
+                  <a:schemeClr val="tx1">
+                    <a:lumMod val="85000"/>
+                    <a:lumOff val="15000"/>
+                  </a:schemeClr>
+                </a:solidFill>
+                <a:latin typeface="Helvetica" panose="020B0604020202020204" pitchFamily="34" charset="0"/>
+                <a:cs typeface="Helvetica" panose="020B0604020202020204" pitchFamily="34" charset="0"/>
+              </a:rPr>
+              <a:t>(7)</a:t>
+            </a:r>
+          </a:p>
+        </p:txBody>
+      </p:sp>
+      <p:sp>
+        <p:nvSpPr>
+          <p:cNvPr id="66" name="TextBox 65"/>
+          <p:cNvSpPr txBox="1"/>
+          <p:nvPr/>
+        </p:nvSpPr>
+        <p:spPr>
+          <a:xfrm>
+            <a:off x="5767747" y="3034923"/>
+            <a:ext cx="399468" cy="1344599"/>
+          </a:xfrm>
+          <a:prstGeom prst="rect">
+            <a:avLst/>
+          </a:prstGeom>
+          <a:noFill/>
+        </p:spPr>
+        <p:txBody>
+          <a:bodyPr wrap="none" rtlCol="0">
+            <a:spAutoFit/>
+          </a:bodyPr>
+          <a:lstStyle/>
+          <a:p>
+            <a:pPr algn="ctr"/>
+            <a:r>
+              <a:rPr lang="en-GB" sz="452" b="1" dirty="0">
+                <a:solidFill>
+                  <a:schemeClr val="tx1">
+                    <a:lumMod val="85000"/>
+                    <a:lumOff val="15000"/>
+                  </a:schemeClr>
+                </a:solidFill>
+                <a:latin typeface="Helvetica" panose="020B0604020202020204" pitchFamily="34" charset="0"/>
+                <a:cs typeface="Helvetica" panose="020B0604020202020204" pitchFamily="34" charset="0"/>
+              </a:rPr>
+              <a:t>0</a:t>
+            </a:r>
+          </a:p>
+          <a:p>
+            <a:pPr algn="ctr"/>
+            <a:r>
+              <a:rPr lang="en-GB" sz="452" b="1" dirty="0">
+                <a:solidFill>
+                  <a:schemeClr val="tx1">
+                    <a:lumMod val="85000"/>
+                    <a:lumOff val="15000"/>
+                  </a:schemeClr>
+                </a:solidFill>
+                <a:latin typeface="Helvetica" panose="020B0604020202020204" pitchFamily="34" charset="0"/>
+                <a:cs typeface="Helvetica" panose="020B0604020202020204" pitchFamily="34" charset="0"/>
+              </a:rPr>
+              <a:t>(0)</a:t>
+            </a:r>
+          </a:p>
+          <a:p>
+            <a:pPr algn="ctr"/>
+            <a:endParaRPr lang="en-GB" sz="452" b="1" dirty="0">
+              <a:solidFill>
+                <a:schemeClr val="tx1">
+                  <a:lumMod val="85000"/>
+                  <a:lumOff val="15000"/>
+                </a:schemeClr>
+              </a:solidFill>
+              <a:latin typeface="Helvetica" panose="020B0604020202020204" pitchFamily="34" charset="0"/>
+              <a:cs typeface="Helvetica" panose="020B0604020202020204" pitchFamily="34" charset="0"/>
+            </a:endParaRPr>
+          </a:p>
+          <a:p>
+            <a:pPr algn="ctr"/>
+            <a:endParaRPr lang="en-GB" sz="452" b="1" dirty="0">
+              <a:solidFill>
+                <a:schemeClr val="tx1">
+                  <a:lumMod val="85000"/>
+                  <a:lumOff val="15000"/>
+                </a:schemeClr>
+              </a:solidFill>
+              <a:latin typeface="Helvetica" panose="020B0604020202020204" pitchFamily="34" charset="0"/>
+              <a:cs typeface="Helvetica" panose="020B0604020202020204" pitchFamily="34" charset="0"/>
+            </a:endParaRPr>
+          </a:p>
+          <a:p>
+            <a:pPr algn="ctr"/>
+            <a:r>
+              <a:rPr lang="en-GB" sz="452" b="1" dirty="0">
+                <a:solidFill>
+                  <a:schemeClr val="tx1">
+                    <a:lumMod val="85000"/>
+                    <a:lumOff val="15000"/>
+                  </a:schemeClr>
+                </a:solidFill>
+                <a:latin typeface="Helvetica" panose="020B0604020202020204" pitchFamily="34" charset="0"/>
+                <a:cs typeface="Helvetica" panose="020B0604020202020204" pitchFamily="34" charset="0"/>
+              </a:rPr>
+              <a:t>10,403</a:t>
+            </a:r>
+          </a:p>
+          <a:p>
+            <a:pPr algn="ctr"/>
+            <a:r>
+              <a:rPr lang="en-GB" sz="452" b="1" dirty="0">
+                <a:solidFill>
+                  <a:schemeClr val="tx1">
+                    <a:lumMod val="85000"/>
+                    <a:lumOff val="15000"/>
+                  </a:schemeClr>
+                </a:solidFill>
+                <a:latin typeface="Helvetica" panose="020B0604020202020204" pitchFamily="34" charset="0"/>
+                <a:cs typeface="Helvetica" panose="020B0604020202020204" pitchFamily="34" charset="0"/>
+              </a:rPr>
+              <a:t>(0)</a:t>
+            </a:r>
+          </a:p>
+          <a:p>
+            <a:pPr algn="ctr"/>
+            <a:endParaRPr lang="en-GB" sz="452" b="1" dirty="0">
+              <a:solidFill>
+                <a:schemeClr val="tx1">
+                  <a:lumMod val="85000"/>
+                  <a:lumOff val="15000"/>
+                </a:schemeClr>
+              </a:solidFill>
+              <a:latin typeface="Helvetica" panose="020B0604020202020204" pitchFamily="34" charset="0"/>
+              <a:cs typeface="Helvetica" panose="020B0604020202020204" pitchFamily="34" charset="0"/>
+            </a:endParaRPr>
+          </a:p>
+          <a:p>
+            <a:pPr algn="ctr"/>
+            <a:endParaRPr lang="en-GB" sz="452" b="1" dirty="0">
+              <a:solidFill>
+                <a:schemeClr val="tx1">
+                  <a:lumMod val="85000"/>
+                  <a:lumOff val="15000"/>
+                </a:schemeClr>
+              </a:solidFill>
+              <a:latin typeface="Helvetica" panose="020B0604020202020204" pitchFamily="34" charset="0"/>
+              <a:cs typeface="Helvetica" panose="020B0604020202020204" pitchFamily="34" charset="0"/>
+            </a:endParaRPr>
+          </a:p>
+          <a:p>
+            <a:pPr algn="ctr"/>
+            <a:r>
+              <a:rPr lang="en-GB" sz="452" b="1" dirty="0">
+                <a:solidFill>
+                  <a:schemeClr val="tx1">
+                    <a:lumMod val="85000"/>
+                    <a:lumOff val="15000"/>
+                  </a:schemeClr>
+                </a:solidFill>
+                <a:latin typeface="Helvetica" panose="020B0604020202020204" pitchFamily="34" charset="0"/>
+                <a:cs typeface="Helvetica" panose="020B0604020202020204" pitchFamily="34" charset="0"/>
+              </a:rPr>
+              <a:t>76,233</a:t>
+            </a:r>
+          </a:p>
+          <a:p>
+            <a:pPr algn="ctr"/>
+            <a:r>
+              <a:rPr lang="en-GB" sz="452" b="1" dirty="0">
+                <a:solidFill>
+                  <a:schemeClr val="tx1">
+                    <a:lumMod val="85000"/>
+                    <a:lumOff val="15000"/>
+                  </a:schemeClr>
+                </a:solidFill>
+                <a:latin typeface="Helvetica" panose="020B0604020202020204" pitchFamily="34" charset="0"/>
+                <a:cs typeface="Helvetica" panose="020B0604020202020204" pitchFamily="34" charset="0"/>
+              </a:rPr>
+              <a:t>(54,260)</a:t>
+            </a:r>
+          </a:p>
+          <a:p>
+            <a:pPr algn="ctr"/>
+            <a:endParaRPr lang="en-GB" sz="452" b="1" dirty="0">
+              <a:solidFill>
+                <a:schemeClr val="tx1">
+                  <a:lumMod val="85000"/>
+                  <a:lumOff val="15000"/>
+                </a:schemeClr>
+              </a:solidFill>
+              <a:latin typeface="Helvetica" panose="020B0604020202020204" pitchFamily="34" charset="0"/>
+              <a:cs typeface="Helvetica" panose="020B0604020202020204" pitchFamily="34" charset="0"/>
+            </a:endParaRPr>
+          </a:p>
+          <a:p>
+            <a:pPr algn="ctr"/>
+            <a:endParaRPr lang="en-GB" sz="452" b="1" dirty="0">
+              <a:solidFill>
+                <a:schemeClr val="tx1">
+                  <a:lumMod val="85000"/>
+                  <a:lumOff val="15000"/>
+                </a:schemeClr>
+              </a:solidFill>
+              <a:latin typeface="Helvetica" panose="020B0604020202020204" pitchFamily="34" charset="0"/>
+              <a:cs typeface="Helvetica" panose="020B0604020202020204" pitchFamily="34" charset="0"/>
+            </a:endParaRPr>
+          </a:p>
+          <a:p>
+            <a:pPr algn="ctr"/>
+            <a:r>
+              <a:rPr lang="en-GB" sz="452" b="1" dirty="0">
+                <a:solidFill>
+                  <a:schemeClr val="tx1">
+                    <a:lumMod val="85000"/>
+                    <a:lumOff val="15000"/>
+                  </a:schemeClr>
+                </a:solidFill>
+                <a:latin typeface="Helvetica" panose="020B0604020202020204" pitchFamily="34" charset="0"/>
+                <a:cs typeface="Helvetica" panose="020B0604020202020204" pitchFamily="34" charset="0"/>
+              </a:rPr>
+              <a:t>75,523</a:t>
+            </a:r>
+          </a:p>
+          <a:p>
+            <a:pPr algn="ctr"/>
+            <a:r>
+              <a:rPr lang="en-GB" sz="452" b="1" dirty="0">
+                <a:solidFill>
+                  <a:schemeClr val="tx1">
+                    <a:lumMod val="85000"/>
+                    <a:lumOff val="15000"/>
+                  </a:schemeClr>
+                </a:solidFill>
+                <a:latin typeface="Helvetica" panose="020B0604020202020204" pitchFamily="34" charset="0"/>
+                <a:cs typeface="Helvetica" panose="020B0604020202020204" pitchFamily="34" charset="0"/>
+              </a:rPr>
+              <a:t>(53,540)</a:t>
+            </a:r>
+          </a:p>
+          <a:p>
+            <a:pPr algn="ctr"/>
+            <a:endParaRPr lang="en-GB" sz="452" b="1" dirty="0">
+              <a:solidFill>
+                <a:schemeClr val="tx1">
+                  <a:lumMod val="85000"/>
+                  <a:lumOff val="15000"/>
+                </a:schemeClr>
+              </a:solidFill>
+              <a:latin typeface="Helvetica" panose="020B0604020202020204" pitchFamily="34" charset="0"/>
+              <a:cs typeface="Helvetica" panose="020B0604020202020204" pitchFamily="34" charset="0"/>
+            </a:endParaRPr>
+          </a:p>
+          <a:p>
+            <a:pPr algn="ctr"/>
+            <a:endParaRPr lang="en-GB" sz="452" b="1" dirty="0">
+              <a:solidFill>
+                <a:schemeClr val="tx1">
+                  <a:lumMod val="85000"/>
+                  <a:lumOff val="15000"/>
+                </a:schemeClr>
+              </a:solidFill>
+              <a:latin typeface="Helvetica" panose="020B0604020202020204" pitchFamily="34" charset="0"/>
+              <a:cs typeface="Helvetica" panose="020B0604020202020204" pitchFamily="34" charset="0"/>
+            </a:endParaRPr>
+          </a:p>
+          <a:p>
+            <a:pPr algn="ctr"/>
+            <a:r>
+              <a:rPr lang="en-GB" sz="452" b="1" dirty="0">
+                <a:solidFill>
+                  <a:schemeClr val="tx1">
+                    <a:lumMod val="85000"/>
+                    <a:lumOff val="15000"/>
+                  </a:schemeClr>
+                </a:solidFill>
+                <a:latin typeface="Helvetica" panose="020B0604020202020204" pitchFamily="34" charset="0"/>
+                <a:cs typeface="Helvetica" panose="020B0604020202020204" pitchFamily="34" charset="0"/>
+              </a:rPr>
+              <a:t>70,133</a:t>
+            </a:r>
+          </a:p>
+          <a:p>
+            <a:pPr algn="ctr"/>
+            <a:r>
+              <a:rPr lang="en-GB" sz="452" b="1" dirty="0">
+                <a:solidFill>
+                  <a:schemeClr val="tx1">
+                    <a:lumMod val="85000"/>
+                    <a:lumOff val="15000"/>
+                  </a:schemeClr>
+                </a:solidFill>
+                <a:latin typeface="Helvetica" panose="020B0604020202020204" pitchFamily="34" charset="0"/>
+                <a:cs typeface="Helvetica" panose="020B0604020202020204" pitchFamily="34" charset="0"/>
+              </a:rPr>
+              <a:t>(4,230)</a:t>
+            </a:r>
+          </a:p>
+        </p:txBody>
+      </p:sp>
+      <p:cxnSp>
+        <p:nvCxnSpPr>
+          <p:cNvPr id="67" name="Straight Connector 66"/>
+          <p:cNvCxnSpPr/>
+          <p:nvPr/>
+        </p:nvCxnSpPr>
+        <p:spPr>
+          <a:xfrm>
+            <a:off x="4143131" y="3033505"/>
+            <a:ext cx="2114744" cy="0"/>
+          </a:xfrm>
+          <a:prstGeom prst="line">
+            <a:avLst/>
+          </a:prstGeom>
+          <a:ln w="9525">
+            <a:solidFill>
+              <a:schemeClr val="bg1">
+                <a:lumMod val="65000"/>
+              </a:schemeClr>
+            </a:solidFill>
+          </a:ln>
+        </p:spPr>
+        <p:style>
+          <a:lnRef idx="1">
+            <a:schemeClr val="accent1"/>
+          </a:lnRef>
+          <a:fillRef idx="0">
+            <a:schemeClr val="accent1"/>
+          </a:fillRef>
+          <a:effectRef idx="0">
+            <a:schemeClr val="accent1"/>
+          </a:effectRef>
+          <a:fontRef idx="minor">
+            <a:schemeClr val="tx1"/>
+          </a:fontRef>
+        </p:style>
+      </p:cxnSp>
+      <p:cxnSp>
+        <p:nvCxnSpPr>
+          <p:cNvPr id="68" name="Straight Connector 67"/>
+          <p:cNvCxnSpPr/>
+          <p:nvPr/>
+        </p:nvCxnSpPr>
+        <p:spPr>
+          <a:xfrm>
+            <a:off x="4143131" y="3281700"/>
+            <a:ext cx="2114744" cy="0"/>
+          </a:xfrm>
+          <a:prstGeom prst="line">
+            <a:avLst/>
+          </a:prstGeom>
+          <a:ln w="9525">
+            <a:solidFill>
+              <a:schemeClr val="bg1">
+                <a:lumMod val="65000"/>
+              </a:schemeClr>
+            </a:solidFill>
+          </a:ln>
+        </p:spPr>
+        <p:style>
+          <a:lnRef idx="1">
+            <a:schemeClr val="accent1"/>
+          </a:lnRef>
+          <a:fillRef idx="0">
+            <a:schemeClr val="accent1"/>
+          </a:fillRef>
+          <a:effectRef idx="0">
+            <a:schemeClr val="accent1"/>
+          </a:effectRef>
+          <a:fontRef idx="minor">
+            <a:schemeClr val="tx1"/>
+          </a:fontRef>
+        </p:style>
+      </p:cxnSp>
+      <p:cxnSp>
+        <p:nvCxnSpPr>
+          <p:cNvPr id="69" name="Straight Connector 68"/>
+          <p:cNvCxnSpPr/>
+          <p:nvPr/>
+        </p:nvCxnSpPr>
+        <p:spPr>
+          <a:xfrm>
+            <a:off x="4143131" y="3538833"/>
+            <a:ext cx="2114744" cy="0"/>
+          </a:xfrm>
+          <a:prstGeom prst="line">
+            <a:avLst/>
+          </a:prstGeom>
+          <a:ln w="9525">
+            <a:solidFill>
+              <a:schemeClr val="bg1">
+                <a:lumMod val="65000"/>
+              </a:schemeClr>
+            </a:solidFill>
+          </a:ln>
+        </p:spPr>
+        <p:style>
+          <a:lnRef idx="1">
+            <a:schemeClr val="accent1"/>
+          </a:lnRef>
+          <a:fillRef idx="0">
+            <a:schemeClr val="accent1"/>
+          </a:fillRef>
+          <a:effectRef idx="0">
+            <a:schemeClr val="accent1"/>
+          </a:effectRef>
+          <a:fontRef idx="minor">
+            <a:schemeClr val="tx1"/>
+          </a:fontRef>
+        </p:style>
+      </p:cxnSp>
+      <p:cxnSp>
+        <p:nvCxnSpPr>
+          <p:cNvPr id="70" name="Straight Connector 69"/>
+          <p:cNvCxnSpPr/>
+          <p:nvPr/>
+        </p:nvCxnSpPr>
+        <p:spPr>
+          <a:xfrm>
+            <a:off x="4143131" y="3832545"/>
+            <a:ext cx="2114744" cy="0"/>
+          </a:xfrm>
+          <a:prstGeom prst="line">
+            <a:avLst/>
+          </a:prstGeom>
+          <a:ln w="9525">
+            <a:solidFill>
+              <a:schemeClr val="tx1"/>
+            </a:solidFill>
+            <a:prstDash val="dash"/>
+          </a:ln>
+        </p:spPr>
+        <p:style>
+          <a:lnRef idx="1">
+            <a:schemeClr val="accent1"/>
+          </a:lnRef>
+          <a:fillRef idx="0">
+            <a:schemeClr val="accent1"/>
+          </a:fillRef>
+          <a:effectRef idx="0">
+            <a:schemeClr val="accent1"/>
+          </a:effectRef>
+          <a:fontRef idx="minor">
+            <a:schemeClr val="tx1"/>
+          </a:fontRef>
+        </p:style>
+      </p:cxnSp>
+      <p:cxnSp>
+        <p:nvCxnSpPr>
+          <p:cNvPr id="71" name="Straight Connector 70"/>
+          <p:cNvCxnSpPr/>
+          <p:nvPr/>
+        </p:nvCxnSpPr>
+        <p:spPr>
+          <a:xfrm>
+            <a:off x="4143131" y="4112439"/>
+            <a:ext cx="2114744" cy="0"/>
+          </a:xfrm>
+          <a:prstGeom prst="line">
+            <a:avLst/>
+          </a:prstGeom>
+          <a:ln w="9525">
+            <a:solidFill>
+              <a:schemeClr val="bg1">
+                <a:lumMod val="65000"/>
+              </a:schemeClr>
+            </a:solidFill>
+          </a:ln>
+        </p:spPr>
+        <p:style>
+          <a:lnRef idx="1">
+            <a:schemeClr val="accent1"/>
+          </a:lnRef>
+          <a:fillRef idx="0">
+            <a:schemeClr val="accent1"/>
+          </a:fillRef>
+          <a:effectRef idx="0">
+            <a:schemeClr val="accent1"/>
+          </a:effectRef>
+          <a:fontRef idx="minor">
+            <a:schemeClr val="tx1"/>
+          </a:fontRef>
+        </p:style>
+      </p:cxnSp>
+      <p:cxnSp>
+        <p:nvCxnSpPr>
+          <p:cNvPr id="72" name="Straight Connector 71"/>
+          <p:cNvCxnSpPr/>
+          <p:nvPr/>
+        </p:nvCxnSpPr>
+        <p:spPr>
+          <a:xfrm>
+            <a:off x="4547642" y="2814352"/>
+            <a:ext cx="0" cy="1535003"/>
+          </a:xfrm>
+          <a:prstGeom prst="line">
+            <a:avLst/>
+          </a:prstGeom>
+          <a:ln w="9525">
+            <a:solidFill>
+              <a:schemeClr val="bg1">
+                <a:lumMod val="65000"/>
+              </a:schemeClr>
+            </a:solidFill>
+          </a:ln>
+        </p:spPr>
+        <p:style>
+          <a:lnRef idx="1">
+            <a:schemeClr val="accent1"/>
+          </a:lnRef>
+          <a:fillRef idx="0">
+            <a:schemeClr val="accent1"/>
+          </a:fillRef>
+          <a:effectRef idx="0">
+            <a:schemeClr val="accent1"/>
+          </a:effectRef>
+          <a:fontRef idx="minor">
+            <a:schemeClr val="tx1"/>
+          </a:fontRef>
+        </p:style>
+      </p:cxnSp>
+      <p:cxnSp>
+        <p:nvCxnSpPr>
+          <p:cNvPr id="73" name="Straight Connector 72"/>
+          <p:cNvCxnSpPr/>
+          <p:nvPr/>
+        </p:nvCxnSpPr>
+        <p:spPr>
+          <a:xfrm>
+            <a:off x="5095094" y="2811496"/>
+            <a:ext cx="0" cy="1535003"/>
+          </a:xfrm>
+          <a:prstGeom prst="line">
+            <a:avLst/>
+          </a:prstGeom>
+          <a:ln w="9525">
+            <a:solidFill>
+              <a:schemeClr val="bg1">
+                <a:lumMod val="65000"/>
+              </a:schemeClr>
+            </a:solidFill>
+          </a:ln>
+        </p:spPr>
+        <p:style>
+          <a:lnRef idx="1">
+            <a:schemeClr val="accent1"/>
+          </a:lnRef>
+          <a:fillRef idx="0">
+            <a:schemeClr val="accent1"/>
+          </a:fillRef>
+          <a:effectRef idx="0">
+            <a:schemeClr val="accent1"/>
+          </a:effectRef>
+          <a:fontRef idx="minor">
+            <a:schemeClr val="tx1"/>
+          </a:fontRef>
+        </p:style>
+      </p:cxnSp>
+      <p:cxnSp>
+        <p:nvCxnSpPr>
+          <p:cNvPr id="74" name="Straight Connector 73"/>
+          <p:cNvCxnSpPr/>
+          <p:nvPr/>
+        </p:nvCxnSpPr>
+        <p:spPr>
+          <a:xfrm>
+            <a:off x="5408493" y="2814349"/>
+            <a:ext cx="0" cy="1535003"/>
+          </a:xfrm>
+          <a:prstGeom prst="line">
+            <a:avLst/>
+          </a:prstGeom>
+          <a:ln w="9525">
+            <a:solidFill>
+              <a:schemeClr val="bg1">
+                <a:lumMod val="65000"/>
+              </a:schemeClr>
+            </a:solidFill>
+          </a:ln>
+        </p:spPr>
+        <p:style>
+          <a:lnRef idx="1">
+            <a:schemeClr val="accent1"/>
+          </a:lnRef>
+          <a:fillRef idx="0">
+            <a:schemeClr val="accent1"/>
+          </a:fillRef>
+          <a:effectRef idx="0">
+            <a:schemeClr val="accent1"/>
+          </a:effectRef>
+          <a:fontRef idx="minor">
+            <a:schemeClr val="tx1"/>
+          </a:fontRef>
+        </p:style>
+      </p:cxnSp>
+      <p:cxnSp>
+        <p:nvCxnSpPr>
+          <p:cNvPr id="75" name="Straight Connector 74"/>
+          <p:cNvCxnSpPr/>
+          <p:nvPr/>
+        </p:nvCxnSpPr>
+        <p:spPr>
+          <a:xfrm>
+            <a:off x="5703416" y="2814352"/>
+            <a:ext cx="0" cy="1535003"/>
+          </a:xfrm>
+          <a:prstGeom prst="line">
+            <a:avLst/>
+          </a:prstGeom>
+          <a:ln w="9525">
+            <a:solidFill>
+              <a:schemeClr val="bg1">
+                <a:lumMod val="65000"/>
+              </a:schemeClr>
+            </a:solidFill>
+          </a:ln>
+        </p:spPr>
+        <p:style>
+          <a:lnRef idx="1">
+            <a:schemeClr val="accent1"/>
+          </a:lnRef>
+          <a:fillRef idx="0">
+            <a:schemeClr val="accent1"/>
+          </a:fillRef>
+          <a:effectRef idx="0">
+            <a:schemeClr val="accent1"/>
+          </a:effectRef>
+          <a:fontRef idx="minor">
+            <a:schemeClr val="tx1"/>
+          </a:fontRef>
+        </p:style>
+      </p:cxnSp>
+      <p:cxnSp>
+        <p:nvCxnSpPr>
+          <p:cNvPr id="76" name="Straight Connector 75"/>
+          <p:cNvCxnSpPr/>
+          <p:nvPr/>
+        </p:nvCxnSpPr>
+        <p:spPr>
+          <a:xfrm>
+            <a:off x="4814385" y="2811496"/>
+            <a:ext cx="0" cy="1535003"/>
+          </a:xfrm>
+          <a:prstGeom prst="line">
+            <a:avLst/>
+          </a:prstGeom>
+          <a:ln w="9525">
+            <a:solidFill>
+              <a:schemeClr val="bg1">
+                <a:lumMod val="65000"/>
+              </a:schemeClr>
+            </a:solidFill>
+          </a:ln>
+        </p:spPr>
+        <p:style>
+          <a:lnRef idx="1">
+            <a:schemeClr val="accent1"/>
+          </a:lnRef>
+          <a:fillRef idx="0">
+            <a:schemeClr val="accent1"/>
+          </a:fillRef>
+          <a:effectRef idx="0">
+            <a:schemeClr val="accent1"/>
+          </a:effectRef>
+          <a:fontRef idx="minor">
+            <a:schemeClr val="tx1"/>
+          </a:fontRef>
+        </p:style>
+      </p:cxnSp>
+      <p:sp>
+        <p:nvSpPr>
+          <p:cNvPr id="77" name="TextBox 76"/>
+          <p:cNvSpPr txBox="1"/>
+          <p:nvPr/>
+        </p:nvSpPr>
+        <p:spPr>
+          <a:xfrm>
+            <a:off x="4508381" y="2802389"/>
+            <a:ext cx="338554" cy="231474"/>
+          </a:xfrm>
+          <a:prstGeom prst="rect">
+            <a:avLst/>
+          </a:prstGeom>
+          <a:noFill/>
+        </p:spPr>
+        <p:txBody>
+          <a:bodyPr wrap="none" rtlCol="0">
+            <a:spAutoFit/>
+          </a:bodyPr>
+          <a:lstStyle/>
+          <a:p>
+            <a:r>
+              <a:rPr lang="en-GB" sz="452" b="1" dirty="0">
+                <a:solidFill>
+                  <a:schemeClr val="tx1">
+                    <a:lumMod val="85000"/>
+                    <a:lumOff val="15000"/>
+                  </a:schemeClr>
+                </a:solidFill>
+                <a:latin typeface="Helvetica" panose="020B0604020202020204" pitchFamily="34" charset="0"/>
+                <a:cs typeface="Helvetica" panose="020B0604020202020204" pitchFamily="34" charset="0"/>
+              </a:rPr>
+              <a:t>RTI</a:t>
+            </a:r>
+          </a:p>
+          <a:p>
+            <a:r>
+              <a:rPr lang="en-GB" sz="452" b="1" dirty="0">
+                <a:solidFill>
+                  <a:schemeClr val="tx1">
+                    <a:lumMod val="85000"/>
+                    <a:lumOff val="15000"/>
+                  </a:schemeClr>
+                </a:solidFill>
+                <a:latin typeface="Helvetica" panose="020B0604020202020204" pitchFamily="34" charset="0"/>
+                <a:cs typeface="Helvetica" panose="020B0604020202020204" pitchFamily="34" charset="0"/>
+              </a:rPr>
+              <a:t>score</a:t>
+            </a:r>
+          </a:p>
+        </p:txBody>
+      </p:sp>
+      <p:sp>
+        <p:nvSpPr>
+          <p:cNvPr id="78" name="TextBox 77"/>
+          <p:cNvSpPr txBox="1"/>
+          <p:nvPr/>
+        </p:nvSpPr>
+        <p:spPr>
+          <a:xfrm>
+            <a:off x="4530431" y="3034923"/>
+            <a:ext cx="312906" cy="1344599"/>
+          </a:xfrm>
+          <a:prstGeom prst="rect">
+            <a:avLst/>
+          </a:prstGeom>
+          <a:noFill/>
+        </p:spPr>
+        <p:txBody>
+          <a:bodyPr wrap="none" rtlCol="0">
+            <a:spAutoFit/>
+          </a:bodyPr>
+          <a:lstStyle/>
+          <a:p>
+            <a:pPr algn="ctr"/>
+            <a:r>
+              <a:rPr lang="en-GB" sz="452" b="1" dirty="0">
+                <a:solidFill>
+                  <a:schemeClr val="tx1">
+                    <a:lumMod val="85000"/>
+                    <a:lumOff val="15000"/>
+                  </a:schemeClr>
+                </a:solidFill>
+                <a:latin typeface="Helvetica" panose="020B0604020202020204" pitchFamily="34" charset="0"/>
+                <a:cs typeface="Helvetica" panose="020B0604020202020204" pitchFamily="34" charset="0"/>
+              </a:rPr>
+              <a:t>−1</a:t>
+            </a:r>
+          </a:p>
+          <a:p>
+            <a:pPr algn="ctr"/>
+            <a:endParaRPr lang="en-GB" sz="452" b="1" dirty="0">
+              <a:solidFill>
+                <a:schemeClr val="tx1">
+                  <a:lumMod val="85000"/>
+                  <a:lumOff val="15000"/>
+                </a:schemeClr>
+              </a:solidFill>
+              <a:latin typeface="Helvetica" panose="020B0604020202020204" pitchFamily="34" charset="0"/>
+              <a:cs typeface="Helvetica" panose="020B0604020202020204" pitchFamily="34" charset="0"/>
+            </a:endParaRPr>
+          </a:p>
+          <a:p>
+            <a:pPr algn="ctr"/>
+            <a:endParaRPr lang="en-GB" sz="452" b="1" dirty="0">
+              <a:solidFill>
+                <a:schemeClr val="tx1">
+                  <a:lumMod val="85000"/>
+                  <a:lumOff val="15000"/>
+                </a:schemeClr>
+              </a:solidFill>
+              <a:latin typeface="Helvetica" panose="020B0604020202020204" pitchFamily="34" charset="0"/>
+              <a:cs typeface="Helvetica" panose="020B0604020202020204" pitchFamily="34" charset="0"/>
+            </a:endParaRPr>
+          </a:p>
+          <a:p>
+            <a:pPr algn="ctr"/>
+            <a:r>
+              <a:rPr lang="en-GB" sz="452" b="1" dirty="0">
+                <a:solidFill>
+                  <a:schemeClr val="tx1">
+                    <a:lumMod val="85000"/>
+                    <a:lumOff val="15000"/>
+                  </a:schemeClr>
+                </a:solidFill>
+                <a:latin typeface="Helvetica" panose="020B0604020202020204" pitchFamily="34" charset="0"/>
+                <a:cs typeface="Helvetica" panose="020B0604020202020204" pitchFamily="34" charset="0"/>
+              </a:rPr>
+              <a:t> </a:t>
+            </a:r>
+          </a:p>
+          <a:p>
+            <a:pPr algn="ctr"/>
+            <a:r>
+              <a:rPr lang="en-GB" sz="452" b="1" dirty="0">
+                <a:solidFill>
+                  <a:schemeClr val="tx1">
+                    <a:lumMod val="85000"/>
+                    <a:lumOff val="15000"/>
+                  </a:schemeClr>
+                </a:solidFill>
+                <a:latin typeface="Helvetica" panose="020B0604020202020204" pitchFamily="34" charset="0"/>
+                <a:cs typeface="Helvetica" panose="020B0604020202020204" pitchFamily="34" charset="0"/>
+              </a:rPr>
+              <a:t>&lt; 0</a:t>
+            </a:r>
+          </a:p>
+          <a:p>
+            <a:pPr algn="ctr"/>
+            <a:endParaRPr lang="en-GB" sz="452" b="1" dirty="0">
+              <a:solidFill>
+                <a:schemeClr val="tx1">
+                  <a:lumMod val="85000"/>
+                  <a:lumOff val="15000"/>
+                </a:schemeClr>
+              </a:solidFill>
+              <a:latin typeface="Helvetica" panose="020B0604020202020204" pitchFamily="34" charset="0"/>
+              <a:cs typeface="Helvetica" panose="020B0604020202020204" pitchFamily="34" charset="0"/>
+            </a:endParaRPr>
+          </a:p>
+          <a:p>
+            <a:pPr algn="ctr"/>
+            <a:endParaRPr lang="en-GB" sz="452" b="1" dirty="0">
+              <a:solidFill>
+                <a:schemeClr val="tx1">
+                  <a:lumMod val="85000"/>
+                  <a:lumOff val="15000"/>
+                </a:schemeClr>
+              </a:solidFill>
+              <a:latin typeface="Helvetica" panose="020B0604020202020204" pitchFamily="34" charset="0"/>
+              <a:cs typeface="Helvetica" panose="020B0604020202020204" pitchFamily="34" charset="0"/>
+            </a:endParaRPr>
+          </a:p>
+          <a:p>
+            <a:pPr algn="ctr"/>
+            <a:endParaRPr lang="en-GB" sz="452" b="1" dirty="0">
+              <a:solidFill>
+                <a:schemeClr val="tx1">
+                  <a:lumMod val="85000"/>
+                  <a:lumOff val="15000"/>
+                </a:schemeClr>
+              </a:solidFill>
+              <a:latin typeface="Helvetica" panose="020B0604020202020204" pitchFamily="34" charset="0"/>
+              <a:cs typeface="Helvetica" panose="020B0604020202020204" pitchFamily="34" charset="0"/>
+            </a:endParaRPr>
+          </a:p>
+          <a:p>
+            <a:pPr algn="ctr"/>
+            <a:r>
+              <a:rPr lang="en-GB" sz="452" b="1" dirty="0">
+                <a:solidFill>
+                  <a:schemeClr val="tx1">
+                    <a:lumMod val="85000"/>
+                    <a:lumOff val="15000"/>
+                  </a:schemeClr>
+                </a:solidFill>
+                <a:latin typeface="Helvetica" panose="020B0604020202020204" pitchFamily="34" charset="0"/>
+                <a:cs typeface="Helvetica" panose="020B0604020202020204" pitchFamily="34" charset="0"/>
+              </a:rPr>
+              <a:t>≥ 0</a:t>
+            </a:r>
+          </a:p>
+          <a:p>
+            <a:pPr algn="ctr"/>
+            <a:endParaRPr lang="en-GB" sz="452" b="1" dirty="0">
+              <a:solidFill>
+                <a:schemeClr val="tx1">
+                  <a:lumMod val="85000"/>
+                  <a:lumOff val="15000"/>
+                </a:schemeClr>
+              </a:solidFill>
+              <a:latin typeface="Helvetica" panose="020B0604020202020204" pitchFamily="34" charset="0"/>
+              <a:cs typeface="Helvetica" panose="020B0604020202020204" pitchFamily="34" charset="0"/>
+            </a:endParaRPr>
+          </a:p>
+          <a:p>
+            <a:pPr algn="ctr"/>
+            <a:endParaRPr lang="en-GB" sz="452" b="1" dirty="0">
+              <a:solidFill>
+                <a:schemeClr val="tx1">
+                  <a:lumMod val="85000"/>
+                  <a:lumOff val="15000"/>
+                </a:schemeClr>
+              </a:solidFill>
+              <a:latin typeface="Helvetica" panose="020B0604020202020204" pitchFamily="34" charset="0"/>
+              <a:cs typeface="Helvetica" panose="020B0604020202020204" pitchFamily="34" charset="0"/>
+            </a:endParaRPr>
+          </a:p>
+          <a:p>
+            <a:pPr algn="ctr"/>
+            <a:endParaRPr lang="en-GB" sz="452" b="1" dirty="0">
+              <a:solidFill>
+                <a:schemeClr val="tx1">
+                  <a:lumMod val="85000"/>
+                  <a:lumOff val="15000"/>
+                </a:schemeClr>
+              </a:solidFill>
+              <a:latin typeface="Helvetica" panose="020B0604020202020204" pitchFamily="34" charset="0"/>
+              <a:cs typeface="Helvetica" panose="020B0604020202020204" pitchFamily="34" charset="0"/>
+            </a:endParaRPr>
+          </a:p>
+          <a:p>
+            <a:pPr algn="ctr"/>
+            <a:r>
+              <a:rPr lang="en-GB" sz="452" b="1" dirty="0">
+                <a:solidFill>
+                  <a:schemeClr val="tx1">
+                    <a:lumMod val="85000"/>
+                    <a:lumOff val="15000"/>
+                  </a:schemeClr>
+                </a:solidFill>
+                <a:latin typeface="Helvetica" panose="020B0604020202020204" pitchFamily="34" charset="0"/>
+                <a:cs typeface="Helvetica" panose="020B0604020202020204" pitchFamily="34" charset="0"/>
+              </a:rPr>
+              <a:t>≥ 0.5</a:t>
+            </a:r>
+          </a:p>
+          <a:p>
+            <a:pPr algn="ctr"/>
+            <a:endParaRPr lang="en-GB" sz="452" b="1" dirty="0">
+              <a:solidFill>
+                <a:schemeClr val="tx1">
+                  <a:lumMod val="85000"/>
+                  <a:lumOff val="15000"/>
+                </a:schemeClr>
+              </a:solidFill>
+              <a:latin typeface="Helvetica" panose="020B0604020202020204" pitchFamily="34" charset="0"/>
+              <a:cs typeface="Helvetica" panose="020B0604020202020204" pitchFamily="34" charset="0"/>
+            </a:endParaRPr>
+          </a:p>
+          <a:p>
+            <a:pPr algn="ctr"/>
+            <a:endParaRPr lang="en-GB" sz="452" b="1" dirty="0">
+              <a:solidFill>
+                <a:schemeClr val="tx1">
+                  <a:lumMod val="85000"/>
+                  <a:lumOff val="15000"/>
+                </a:schemeClr>
+              </a:solidFill>
+              <a:latin typeface="Helvetica" panose="020B0604020202020204" pitchFamily="34" charset="0"/>
+              <a:cs typeface="Helvetica" panose="020B0604020202020204" pitchFamily="34" charset="0"/>
+            </a:endParaRPr>
+          </a:p>
+          <a:p>
+            <a:pPr algn="ctr"/>
+            <a:endParaRPr lang="en-GB" sz="452" b="1" dirty="0">
+              <a:solidFill>
+                <a:schemeClr val="tx1">
+                  <a:lumMod val="85000"/>
+                  <a:lumOff val="15000"/>
+                </a:schemeClr>
+              </a:solidFill>
+              <a:latin typeface="Helvetica" panose="020B0604020202020204" pitchFamily="34" charset="0"/>
+              <a:cs typeface="Helvetica" panose="020B0604020202020204" pitchFamily="34" charset="0"/>
+            </a:endParaRPr>
+          </a:p>
+          <a:p>
+            <a:pPr algn="ctr"/>
+            <a:r>
+              <a:rPr lang="en-GB" sz="452" b="1" dirty="0">
+                <a:solidFill>
+                  <a:schemeClr val="tx1">
+                    <a:lumMod val="85000"/>
+                    <a:lumOff val="15000"/>
+                  </a:schemeClr>
+                </a:solidFill>
+                <a:latin typeface="Helvetica" panose="020B0604020202020204" pitchFamily="34" charset="0"/>
+                <a:cs typeface="Helvetica" panose="020B0604020202020204" pitchFamily="34" charset="0"/>
+              </a:rPr>
+              <a:t>1</a:t>
+            </a:r>
+          </a:p>
+          <a:p>
+            <a:pPr algn="ctr"/>
+            <a:endParaRPr lang="en-GB" sz="452" b="1" dirty="0">
+              <a:solidFill>
+                <a:schemeClr val="tx1">
+                  <a:lumMod val="85000"/>
+                  <a:lumOff val="15000"/>
+                </a:schemeClr>
+              </a:solidFill>
+              <a:latin typeface="Helvetica" panose="020B0604020202020204" pitchFamily="34" charset="0"/>
+              <a:cs typeface="Helvetica" panose="020B0604020202020204" pitchFamily="34" charset="0"/>
+            </a:endParaRPr>
+          </a:p>
+        </p:txBody>
+      </p:sp>
+    </p:spTree>
+    <p:extLst>
+      <p:ext uri="{BB962C8B-B14F-4D97-AF65-F5344CB8AC3E}">
+        <p14:creationId xmlns:p14="http://schemas.microsoft.com/office/powerpoint/2010/main" val="3958563680"/>
+      </p:ext>
+    </p:extLst>
+  </p:cSld>
+  <p:clrMapOvr>
+    <a:masterClrMapping/>
+  </p:clrMapOvr>
+</p:sld>
+</file>
+
+<file path=ppt/slides/slide5.xml><?xml version="1.0" encoding="utf-8"?>
+<p:sld xmlns:a="http://schemas.openxmlformats.org/drawingml/2006/main" xmlns:r="http://schemas.openxmlformats.org/officeDocument/2006/relationships" xmlns:p="http://schemas.openxmlformats.org/presentationml/2006/main">
+  <p:cSld>
+    <p:spTree>
+      <p:nvGrpSpPr>
+        <p:cNvPr id="1" name=""/>
+        <p:cNvGrpSpPr/>
+        <p:nvPr/>
+      </p:nvGrpSpPr>
+      <p:grpSpPr>
+        <a:xfrm>
+          <a:off x="0" y="0"/>
+          <a:ext cx="0" cy="0"/>
+          <a:chOff x="0" y="0"/>
+          <a:chExt cx="0" cy="0"/>
+        </a:xfrm>
+      </p:grpSpPr>
+      <p:pic>
+        <p:nvPicPr>
+          <p:cNvPr id="9" name="Picture 8">
+            <a:extLst>
+              <a:ext uri="{FF2B5EF4-FFF2-40B4-BE49-F238E27FC236}">
+                <a16:creationId xmlns:a16="http://schemas.microsoft.com/office/drawing/2014/main" id="{E3D768DE-6777-7232-1A23-C372EE8F5F59}"/>
+              </a:ext>
+            </a:extLst>
+          </p:cNvPr>
+          <p:cNvPicPr>
+            <a:picLocks noChangeAspect="1"/>
+          </p:cNvPicPr>
+          <p:nvPr/>
+        </p:nvPicPr>
+        <p:blipFill>
+          <a:blip r:embed="rId2"/>
+          <a:stretch>
+            <a:fillRect/>
+          </a:stretch>
+        </p:blipFill>
+        <p:spPr>
+          <a:xfrm>
+            <a:off x="1050125" y="996405"/>
+            <a:ext cx="2657612" cy="2352796"/>
+          </a:xfrm>
+          <a:prstGeom prst="rect">
+            <a:avLst/>
+          </a:prstGeom>
+        </p:spPr>
+      </p:pic>
+      <p:sp>
+        <p:nvSpPr>
+          <p:cNvPr id="10" name="TextBox 9">
+            <a:extLst>
+              <a:ext uri="{FF2B5EF4-FFF2-40B4-BE49-F238E27FC236}">
+                <a16:creationId xmlns:a16="http://schemas.microsoft.com/office/drawing/2014/main" id="{7F2FA916-C640-18DB-FC5C-A3D09727BEA3}"/>
+              </a:ext>
+            </a:extLst>
+          </p:cNvPr>
+          <p:cNvSpPr txBox="1"/>
+          <p:nvPr/>
+        </p:nvSpPr>
+        <p:spPr>
+          <a:xfrm>
+            <a:off x="225838" y="465322"/>
+            <a:ext cx="2153093" cy="369332"/>
+          </a:xfrm>
+          <a:prstGeom prst="rect">
+            <a:avLst/>
+          </a:prstGeom>
+          <a:noFill/>
+        </p:spPr>
+        <p:txBody>
           <a:bodyPr wrap="square" rtlCol="0">
             <a:spAutoFit/>
           </a:bodyPr>
@@ -3840,7 +6508,7 @@
           <a:p>
             <a:r>
               <a:rPr lang="en-US" dirty="0"/>
-              <a:t>Duplicate above graphic by organization(?). Inset histogram doesn’t need to have the priority / non priority split</a:t>
+              <a:t>Task count graphic </a:t>
             </a:r>
             <a:endParaRPr lang="en-GB" dirty="0"/>
           </a:p>
@@ -3848,10 +6516,10 @@
       </p:sp>
       <p:pic>
         <p:nvPicPr>
-          <p:cNvPr id="9" name="Picture 8">
-            <a:extLst>
-              <a:ext uri="{FF2B5EF4-FFF2-40B4-BE49-F238E27FC236}">
-                <a16:creationId xmlns:a16="http://schemas.microsoft.com/office/drawing/2014/main" id="{E3D768DE-6777-7232-1A23-C372EE8F5F59}"/>
+          <p:cNvPr id="12" name="Picture 11">
+            <a:extLst>
+              <a:ext uri="{FF2B5EF4-FFF2-40B4-BE49-F238E27FC236}">
+                <a16:creationId xmlns:a16="http://schemas.microsoft.com/office/drawing/2014/main" id="{CAADC9F4-84A7-A99C-1F0E-9FB430F47E12}"/>
               </a:ext>
             </a:extLst>
           </p:cNvPr>
@@ -3862,72 +6530,6 @@
         </p:nvPicPr>
         <p:blipFill>
           <a:blip r:embed="rId3"/>
-          <a:stretch>
-            <a:fillRect/>
-          </a:stretch>
-        </p:blipFill>
-        <p:spPr>
-          <a:xfrm>
-            <a:off x="3205716" y="4442989"/>
-            <a:ext cx="2657612" cy="2352796"/>
-          </a:xfrm>
-          <a:prstGeom prst="rect">
-            <a:avLst/>
-          </a:prstGeom>
-        </p:spPr>
-      </p:pic>
-      <p:sp>
-        <p:nvSpPr>
-          <p:cNvPr id="10" name="TextBox 9">
-            <a:extLst>
-              <a:ext uri="{FF2B5EF4-FFF2-40B4-BE49-F238E27FC236}">
-                <a16:creationId xmlns:a16="http://schemas.microsoft.com/office/drawing/2014/main" id="{7F2FA916-C640-18DB-FC5C-A3D09727BEA3}"/>
-              </a:ext>
-            </a:extLst>
-          </p:cNvPr>
-          <p:cNvSpPr txBox="1"/>
-          <p:nvPr/>
-        </p:nvSpPr>
-        <p:spPr>
-          <a:xfrm>
-            <a:off x="792126" y="5055781"/>
-            <a:ext cx="2153093" cy="369332"/>
-          </a:xfrm>
-          <a:prstGeom prst="rect">
-            <a:avLst/>
-          </a:prstGeom>
-          <a:noFill/>
-        </p:spPr>
-        <p:txBody>
-          <a:bodyPr wrap="square" rtlCol="0">
-            <a:spAutoFit/>
-          </a:bodyPr>
-          <a:lstStyle/>
-          <a:p>
-            <a:r>
-              <a:rPr lang="en-US" dirty="0"/>
-              <a:t>Task count graphic </a:t>
-            </a:r>
-            <a:endParaRPr lang="en-GB" dirty="0"/>
-          </a:p>
-        </p:txBody>
-      </p:sp>
-      <p:pic>
-        <p:nvPicPr>
-          <p:cNvPr id="12" name="Picture 11">
-            <a:extLst>
-              <a:ext uri="{FF2B5EF4-FFF2-40B4-BE49-F238E27FC236}">
-                <a16:creationId xmlns:a16="http://schemas.microsoft.com/office/drawing/2014/main" id="{CAADC9F4-84A7-A99C-1F0E-9FB430F47E12}"/>
-              </a:ext>
-            </a:extLst>
-          </p:cNvPr>
-          <p:cNvPicPr>
-            <a:picLocks noChangeAspect="1"/>
-          </p:cNvPicPr>
-          <p:nvPr/>
-        </p:nvPicPr>
-        <p:blipFill>
-          <a:blip r:embed="rId4"/>
           <a:stretch>
             <a:fillRect/>
           </a:stretch>
@@ -3992,7 +6594,7 @@
         </p:nvSpPr>
         <p:spPr>
           <a:xfrm>
-            <a:off x="7035233" y="4741516"/>
+            <a:off x="1215680" y="5409731"/>
             <a:ext cx="5667153" cy="369332"/>
           </a:xfrm>
           <a:prstGeom prst="rect">
@@ -4017,7 +6619,7 @@
     </p:spTree>
     <p:extLst>
       <p:ext uri="{BB962C8B-B14F-4D97-AF65-F5344CB8AC3E}">
-        <p14:creationId xmlns:p14="http://schemas.microsoft.com/office/powerpoint/2010/main" val="1319093473"/>
+        <p14:creationId xmlns:p14="http://schemas.microsoft.com/office/powerpoint/2010/main" val="3277485034"/>
       </p:ext>
     </p:extLst>
   </p:cSld>
